--- a/HW1/r10943181_HW1.pptx
+++ b/HW1/r10943181_HW1.pptx
@@ -3238,7 +3238,13 @@
       </p:grpSpPr>
       <p:sp>
         <p:nvSpPr>
-          <p:cNvPr id="3074" name="Text Box 2"/>
+          <p:cNvPr id="2" name="Text Box 2">
+            <a:extLst>
+              <a:ext uri="{FF2B5EF4-FFF2-40B4-BE49-F238E27FC236}">
+                <a16:creationId xmlns:a16="http://schemas.microsoft.com/office/drawing/2014/main" id="{F00380ED-84CD-E8B6-3835-08D105ECCBA9}"/>
+              </a:ext>
+            </a:extLst>
+          </p:cNvPr>
           <p:cNvSpPr txBox="1">
             <a:spLocks noChangeArrowheads="1"/>
           </p:cNvSpPr>
@@ -3304,7 +3310,13 @@
       </p:sp>
       <p:sp>
         <p:nvSpPr>
-          <p:cNvPr id="3075" name="Rectangle 3"/>
+          <p:cNvPr id="3" name="Rectangle 3">
+            <a:extLst>
+              <a:ext uri="{FF2B5EF4-FFF2-40B4-BE49-F238E27FC236}">
+                <a16:creationId xmlns:a16="http://schemas.microsoft.com/office/drawing/2014/main" id="{D280CABB-E20C-845B-D645-329D5545B7F3}"/>
+              </a:ext>
+            </a:extLst>
+          </p:cNvPr>
           <p:cNvSpPr>
             <a:spLocks noChangeArrowheads="1"/>
           </p:cNvSpPr>
@@ -3398,7 +3410,7 @@
               <a:rPr lang="en-US" altLang="zh-TW" dirty="0">
                 <a:sym typeface="Wingdings 2" pitchFamily="18" charset="2"/>
               </a:rPr>
-              <a:t> Pass Band  0~1600Hz    Transition band: 1600~2000 Hz, </a:t>
+              <a:t> Pass Band  1800~4000Hz    Transition band: 1600~2000 Hz, </a:t>
             </a:r>
           </a:p>
           <a:p>
@@ -3513,7 +3525,13 @@
       </p:sp>
       <p:sp>
         <p:nvSpPr>
-          <p:cNvPr id="3076" name="Rectangle 4"/>
+          <p:cNvPr id="4" name="Rectangle 4">
+            <a:extLst>
+              <a:ext uri="{FF2B5EF4-FFF2-40B4-BE49-F238E27FC236}">
+                <a16:creationId xmlns:a16="http://schemas.microsoft.com/office/drawing/2014/main" id="{1713EB2D-0204-F587-EC2F-94DAD5FDEE4C}"/>
+              </a:ext>
+            </a:extLst>
+          </p:cNvPr>
           <p:cNvSpPr>
             <a:spLocks noChangeArrowheads="1"/>
           </p:cNvSpPr>
@@ -3591,7 +3609,13 @@
       </p:sp>
       <p:sp>
         <p:nvSpPr>
-          <p:cNvPr id="3077" name="Line 5"/>
+          <p:cNvPr id="5" name="Line 5">
+            <a:extLst>
+              <a:ext uri="{FF2B5EF4-FFF2-40B4-BE49-F238E27FC236}">
+                <a16:creationId xmlns:a16="http://schemas.microsoft.com/office/drawing/2014/main" id="{7F81E2A3-5144-BF0E-073C-88FA7B454569}"/>
+              </a:ext>
+            </a:extLst>
+          </p:cNvPr>
           <p:cNvSpPr>
             <a:spLocks noChangeShapeType="1"/>
           </p:cNvSpPr>
@@ -3626,7 +3650,13 @@
       </p:sp>
       <p:sp>
         <p:nvSpPr>
-          <p:cNvPr id="3078" name="Line 6"/>
+          <p:cNvPr id="6" name="Line 6">
+            <a:extLst>
+              <a:ext uri="{FF2B5EF4-FFF2-40B4-BE49-F238E27FC236}">
+                <a16:creationId xmlns:a16="http://schemas.microsoft.com/office/drawing/2014/main" id="{C8DF136F-BE1B-D7AA-9483-61BAB53C1E07}"/>
+              </a:ext>
+            </a:extLst>
+          </p:cNvPr>
           <p:cNvSpPr>
             <a:spLocks noChangeShapeType="1"/>
           </p:cNvSpPr>
@@ -3661,7 +3691,13 @@
       </p:sp>
       <p:sp>
         <p:nvSpPr>
-          <p:cNvPr id="3079" name="Line 7"/>
+          <p:cNvPr id="7" name="Line 7">
+            <a:extLst>
+              <a:ext uri="{FF2B5EF4-FFF2-40B4-BE49-F238E27FC236}">
+                <a16:creationId xmlns:a16="http://schemas.microsoft.com/office/drawing/2014/main" id="{3FCFB909-5472-1A2F-B37D-3510A3AE36DB}"/>
+              </a:ext>
+            </a:extLst>
+          </p:cNvPr>
           <p:cNvSpPr>
             <a:spLocks noChangeShapeType="1"/>
           </p:cNvSpPr>
@@ -3696,7 +3732,13 @@
       </p:sp>
       <p:sp>
         <p:nvSpPr>
-          <p:cNvPr id="3080" name="Line 8"/>
+          <p:cNvPr id="8" name="Line 8">
+            <a:extLst>
+              <a:ext uri="{FF2B5EF4-FFF2-40B4-BE49-F238E27FC236}">
+                <a16:creationId xmlns:a16="http://schemas.microsoft.com/office/drawing/2014/main" id="{6CD987CC-CDCC-EAC7-2AC4-17A5E3DBD224}"/>
+              </a:ext>
+            </a:extLst>
+          </p:cNvPr>
           <p:cNvSpPr>
             <a:spLocks noChangeShapeType="1"/>
           </p:cNvSpPr>
@@ -3731,7 +3773,13 @@
       </p:sp>
       <p:sp>
         <p:nvSpPr>
-          <p:cNvPr id="3081" name="Text Box 9"/>
+          <p:cNvPr id="9" name="Text Box 9">
+            <a:extLst>
+              <a:ext uri="{FF2B5EF4-FFF2-40B4-BE49-F238E27FC236}">
+                <a16:creationId xmlns:a16="http://schemas.microsoft.com/office/drawing/2014/main" id="{34610215-A5AD-E587-BFA2-B990D54A5F0F}"/>
+              </a:ext>
+            </a:extLst>
+          </p:cNvPr>
           <p:cNvSpPr txBox="1">
             <a:spLocks noChangeArrowheads="1"/>
           </p:cNvSpPr>
@@ -3776,7 +3824,13 @@
       </p:sp>
       <p:sp>
         <p:nvSpPr>
-          <p:cNvPr id="3082" name="Text Box 10"/>
+          <p:cNvPr id="10" name="Text Box 10">
+            <a:extLst>
+              <a:ext uri="{FF2B5EF4-FFF2-40B4-BE49-F238E27FC236}">
+                <a16:creationId xmlns:a16="http://schemas.microsoft.com/office/drawing/2014/main" id="{97254870-12B4-DA97-91B9-9DF13605D2D3}"/>
+              </a:ext>
+            </a:extLst>
+          </p:cNvPr>
           <p:cNvSpPr txBox="1">
             <a:spLocks noChangeArrowheads="1"/>
           </p:cNvSpPr>
@@ -3832,7 +3886,13 @@
       </p:sp>
       <p:sp>
         <p:nvSpPr>
-          <p:cNvPr id="3083" name="Text Box 11"/>
+          <p:cNvPr id="11" name="Text Box 11">
+            <a:extLst>
+              <a:ext uri="{FF2B5EF4-FFF2-40B4-BE49-F238E27FC236}">
+                <a16:creationId xmlns:a16="http://schemas.microsoft.com/office/drawing/2014/main" id="{69474EE7-50AD-B122-18D4-6AFF718139A6}"/>
+              </a:ext>
+            </a:extLst>
+          </p:cNvPr>
           <p:cNvSpPr txBox="1">
             <a:spLocks noChangeArrowheads="1"/>
           </p:cNvSpPr>
@@ -3888,7 +3948,13 @@
       </p:sp>
       <p:sp>
         <p:nvSpPr>
-          <p:cNvPr id="3084" name="Text Box 12"/>
+          <p:cNvPr id="12" name="Text Box 12">
+            <a:extLst>
+              <a:ext uri="{FF2B5EF4-FFF2-40B4-BE49-F238E27FC236}">
+                <a16:creationId xmlns:a16="http://schemas.microsoft.com/office/drawing/2014/main" id="{D907F1F5-CF45-9E62-207F-FF53D4982419}"/>
+              </a:ext>
+            </a:extLst>
+          </p:cNvPr>
           <p:cNvSpPr txBox="1">
             <a:spLocks noChangeArrowheads="1"/>
           </p:cNvSpPr>
@@ -3944,7 +4010,13 @@
       </p:sp>
       <p:sp>
         <p:nvSpPr>
-          <p:cNvPr id="3086" name="Line 14"/>
+          <p:cNvPr id="13" name="Line 14">
+            <a:extLst>
+              <a:ext uri="{FF2B5EF4-FFF2-40B4-BE49-F238E27FC236}">
+                <a16:creationId xmlns:a16="http://schemas.microsoft.com/office/drawing/2014/main" id="{96970533-B60C-25F6-3BD5-115971EA0468}"/>
+              </a:ext>
+            </a:extLst>
+          </p:cNvPr>
           <p:cNvSpPr>
             <a:spLocks noChangeShapeType="1"/>
           </p:cNvSpPr>
@@ -3980,7 +4052,13 @@
       </p:sp>
       <p:sp>
         <p:nvSpPr>
-          <p:cNvPr id="3087" name="Line 15"/>
+          <p:cNvPr id="14" name="Line 15">
+            <a:extLst>
+              <a:ext uri="{FF2B5EF4-FFF2-40B4-BE49-F238E27FC236}">
+                <a16:creationId xmlns:a16="http://schemas.microsoft.com/office/drawing/2014/main" id="{B5BD25D5-7FD2-39E1-9A30-7001D511CE72}"/>
+              </a:ext>
+            </a:extLst>
+          </p:cNvPr>
           <p:cNvSpPr>
             <a:spLocks noChangeShapeType="1"/>
           </p:cNvSpPr>
@@ -4016,7 +4094,13 @@
       </p:sp>
       <p:sp>
         <p:nvSpPr>
-          <p:cNvPr id="16" name="Text Box 31"/>
+          <p:cNvPr id="15" name="Text Box 31">
+            <a:extLst>
+              <a:ext uri="{FF2B5EF4-FFF2-40B4-BE49-F238E27FC236}">
+                <a16:creationId xmlns:a16="http://schemas.microsoft.com/office/drawing/2014/main" id="{E76A932B-B276-5777-7B45-1F0A79094FFC}"/>
+              </a:ext>
+            </a:extLst>
+          </p:cNvPr>
           <p:cNvSpPr txBox="1">
             <a:spLocks noChangeArrowheads="1"/>
           </p:cNvSpPr>
@@ -4135,6 +4219,262 @@
           <a:chExt cx="0" cy="0"/>
         </a:xfrm>
       </p:grpSpPr>
+      <p:pic>
+        <p:nvPicPr>
+          <p:cNvPr id="3" name="圖片 2">
+            <a:extLst>
+              <a:ext uri="{FF2B5EF4-FFF2-40B4-BE49-F238E27FC236}">
+                <a16:creationId xmlns:a16="http://schemas.microsoft.com/office/drawing/2014/main" id="{77ED5C4E-D98C-A4DB-6CF3-5CE0CFB81D1D}"/>
+              </a:ext>
+            </a:extLst>
+          </p:cNvPr>
+          <p:cNvPicPr>
+            <a:picLocks noChangeAspect="1"/>
+          </p:cNvPicPr>
+          <p:nvPr/>
+        </p:nvPicPr>
+        <p:blipFill>
+          <a:blip r:embed="rId2">
+            <a:extLst>
+              <a:ext uri="{28A0092B-C50C-407E-A947-70E740481C1C}">
+                <a14:useLocalDpi xmlns:a14="http://schemas.microsoft.com/office/drawing/2010/main" val="0"/>
+              </a:ext>
+            </a:extLst>
+          </a:blip>
+          <a:stretch>
+            <a:fillRect/>
+          </a:stretch>
+        </p:blipFill>
+        <p:spPr>
+          <a:xfrm>
+            <a:off x="314005" y="1211578"/>
+            <a:ext cx="3724648" cy="2793486"/>
+          </a:xfrm>
+          <a:prstGeom prst="rect">
+            <a:avLst/>
+          </a:prstGeom>
+        </p:spPr>
+      </p:pic>
+      <p:pic>
+        <p:nvPicPr>
+          <p:cNvPr id="5" name="圖片 4">
+            <a:extLst>
+              <a:ext uri="{FF2B5EF4-FFF2-40B4-BE49-F238E27FC236}">
+                <a16:creationId xmlns:a16="http://schemas.microsoft.com/office/drawing/2014/main" id="{97884B43-CA67-A6C0-1869-88F27B6FBACC}"/>
+              </a:ext>
+            </a:extLst>
+          </p:cNvPr>
+          <p:cNvPicPr>
+            <a:picLocks noChangeAspect="1"/>
+          </p:cNvPicPr>
+          <p:nvPr/>
+        </p:nvPicPr>
+        <p:blipFill>
+          <a:blip r:embed="rId3">
+            <a:extLst>
+              <a:ext uri="{28A0092B-C50C-407E-A947-70E740481C1C}">
+                <a14:useLocalDpi xmlns:a14="http://schemas.microsoft.com/office/drawing/2010/main" val="0"/>
+              </a:ext>
+            </a:extLst>
+          </a:blip>
+          <a:stretch>
+            <a:fillRect/>
+          </a:stretch>
+        </p:blipFill>
+        <p:spPr>
+          <a:xfrm>
+            <a:off x="4564151" y="1211578"/>
+            <a:ext cx="3724648" cy="2793486"/>
+          </a:xfrm>
+          <a:prstGeom prst="rect">
+            <a:avLst/>
+          </a:prstGeom>
+        </p:spPr>
+      </p:pic>
+      <p:sp>
+        <p:nvSpPr>
+          <p:cNvPr id="6" name="文字方塊 5">
+            <a:extLst>
+              <a:ext uri="{FF2B5EF4-FFF2-40B4-BE49-F238E27FC236}">
+                <a16:creationId xmlns:a16="http://schemas.microsoft.com/office/drawing/2014/main" id="{C52FD16A-CC02-F7DA-218E-78E371A3A635}"/>
+              </a:ext>
+            </a:extLst>
+          </p:cNvPr>
+          <p:cNvSpPr txBox="1"/>
+          <p:nvPr/>
+        </p:nvSpPr>
+        <p:spPr>
+          <a:xfrm>
+            <a:off x="467544" y="659766"/>
+            <a:ext cx="3600400" cy="400110"/>
+          </a:xfrm>
+          <a:prstGeom prst="rect">
+            <a:avLst/>
+          </a:prstGeom>
+          <a:noFill/>
+        </p:spPr>
+        <p:txBody>
+          <a:bodyPr wrap="square" rtlCol="0">
+            <a:spAutoFit/>
+          </a:bodyPr>
+          <a:lstStyle/>
+          <a:p>
+            <a:pPr marL="457200" indent="-457200">
+              <a:spcBef>
+                <a:spcPct val="15000"/>
+              </a:spcBef>
+              <a:buAutoNum type="alphaLcParenBoth"/>
+            </a:pPr>
+            <a:r>
+              <a:rPr lang="en-US" altLang="zh-TW" u="sng" dirty="0"/>
+              <a:t>the frequency response</a:t>
+            </a:r>
+          </a:p>
+        </p:txBody>
+      </p:sp>
+      <p:sp>
+        <p:nvSpPr>
+          <p:cNvPr id="7" name="文字方塊 6">
+            <a:extLst>
+              <a:ext uri="{FF2B5EF4-FFF2-40B4-BE49-F238E27FC236}">
+                <a16:creationId xmlns:a16="http://schemas.microsoft.com/office/drawing/2014/main" id="{942709D8-8FA1-D9D8-592F-9FFAF4FDFD56}"/>
+              </a:ext>
+            </a:extLst>
+          </p:cNvPr>
+          <p:cNvSpPr txBox="1"/>
+          <p:nvPr/>
+        </p:nvSpPr>
+        <p:spPr>
+          <a:xfrm>
+            <a:off x="4731927" y="659766"/>
+            <a:ext cx="4128545" cy="400110"/>
+          </a:xfrm>
+          <a:prstGeom prst="rect">
+            <a:avLst/>
+          </a:prstGeom>
+          <a:noFill/>
+        </p:spPr>
+        <p:txBody>
+          <a:bodyPr wrap="square" rtlCol="0">
+            <a:spAutoFit/>
+          </a:bodyPr>
+          <a:lstStyle/>
+          <a:p>
+            <a:pPr>
+              <a:spcBef>
+                <a:spcPct val="15000"/>
+              </a:spcBef>
+            </a:pPr>
+            <a:r>
+              <a:rPr lang="en-US" altLang="zh-TW" u="sng" dirty="0"/>
+              <a:t>(b) the impulse response </a:t>
+            </a:r>
+            <a:r>
+              <a:rPr lang="en-US" altLang="zh-TW" i="1" u="sng" dirty="0"/>
+              <a:t>h</a:t>
+            </a:r>
+            <a:r>
+              <a:rPr lang="en-US" altLang="zh-TW" u="sng" dirty="0"/>
+              <a:t>[</a:t>
+            </a:r>
+            <a:r>
+              <a:rPr lang="en-US" altLang="zh-TW" i="1" u="sng" dirty="0"/>
+              <a:t>n</a:t>
+            </a:r>
+            <a:r>
+              <a:rPr lang="en-US" altLang="zh-TW" u="sng" dirty="0"/>
+              <a:t>] </a:t>
+            </a:r>
+            <a:r>
+              <a:rPr lang="en-US" altLang="zh-TW" dirty="0"/>
+              <a:t> </a:t>
+            </a:r>
+          </a:p>
+        </p:txBody>
+      </p:sp>
+      <p:sp>
+        <p:nvSpPr>
+          <p:cNvPr id="8" name="文字方塊 7">
+            <a:extLst>
+              <a:ext uri="{FF2B5EF4-FFF2-40B4-BE49-F238E27FC236}">
+                <a16:creationId xmlns:a16="http://schemas.microsoft.com/office/drawing/2014/main" id="{171F93C2-B7EB-3ABE-5A35-4E74C652EA4B}"/>
+              </a:ext>
+            </a:extLst>
+          </p:cNvPr>
+          <p:cNvSpPr txBox="1"/>
+          <p:nvPr/>
+        </p:nvSpPr>
+        <p:spPr>
+          <a:xfrm>
+            <a:off x="464685" y="4581128"/>
+            <a:ext cx="7732464" cy="707886"/>
+          </a:xfrm>
+          <a:prstGeom prst="rect">
+            <a:avLst/>
+          </a:prstGeom>
+          <a:noFill/>
+        </p:spPr>
+        <p:txBody>
+          <a:bodyPr wrap="square" rtlCol="0">
+            <a:spAutoFit/>
+          </a:bodyPr>
+          <a:lstStyle/>
+          <a:p>
+            <a:pPr>
+              <a:spcBef>
+                <a:spcPct val="15000"/>
+              </a:spcBef>
+            </a:pPr>
+            <a:r>
+              <a:rPr lang="en-US" altLang="zh-TW" u="sng" dirty="0"/>
+              <a:t>(c) the maximal error for each iteration</a:t>
+            </a:r>
+            <a:r>
+              <a:rPr lang="en-US" altLang="zh-TW" dirty="0"/>
+              <a:t>. </a:t>
+            </a:r>
+          </a:p>
+          <a:p>
+            <a:endParaRPr kumimoji="1" lang="zh-TW" altLang="en-US" dirty="0"/>
+          </a:p>
+        </p:txBody>
+      </p:sp>
+      <p:pic>
+        <p:nvPicPr>
+          <p:cNvPr id="10" name="圖片 9">
+            <a:extLst>
+              <a:ext uri="{FF2B5EF4-FFF2-40B4-BE49-F238E27FC236}">
+                <a16:creationId xmlns:a16="http://schemas.microsoft.com/office/drawing/2014/main" id="{1C7E7A8C-B708-1A7C-43F2-50C55989F67B}"/>
+              </a:ext>
+            </a:extLst>
+          </p:cNvPr>
+          <p:cNvPicPr>
+            <a:picLocks noChangeAspect="1"/>
+          </p:cNvPicPr>
+          <p:nvPr/>
+        </p:nvPicPr>
+        <p:blipFill>
+          <a:blip r:embed="rId4">
+            <a:extLst>
+              <a:ext uri="{28A0092B-C50C-407E-A947-70E740481C1C}">
+                <a14:useLocalDpi xmlns:a14="http://schemas.microsoft.com/office/drawing/2010/main" val="0"/>
+              </a:ext>
+            </a:extLst>
+          </a:blip>
+          <a:stretch>
+            <a:fillRect/>
+          </a:stretch>
+        </p:blipFill>
+        <p:spPr>
+          <a:xfrm>
+            <a:off x="758849" y="5457418"/>
+            <a:ext cx="6618190" cy="864096"/>
+          </a:xfrm>
+          <a:prstGeom prst="rect">
+            <a:avLst/>
+          </a:prstGeom>
+        </p:spPr>
+      </p:pic>
     </p:spTree>
     <p:extLst>
       <p:ext uri="{BB962C8B-B14F-4D97-AF65-F5344CB8AC3E}">
@@ -4248,8 +4588,8 @@
           </a:p>
         </p:txBody>
       </p:sp>
-      <mc:AlternateContent xmlns:mc="http://schemas.openxmlformats.org/markup-compatibility/2006">
-        <mc:Choice xmlns:a14="http://schemas.microsoft.com/office/drawing/2010/main" Requires="a14">
+      <mc:AlternateContent xmlns:mc="http://schemas.openxmlformats.org/markup-compatibility/2006" xmlns:a14="http://schemas.microsoft.com/office/drawing/2010/main">
+        <mc:Choice Requires="a14">
           <p:sp>
             <p:nvSpPr>
               <p:cNvPr id="2" name="文字方塊 1">
@@ -5077,7 +5417,7 @@
             </p:txBody>
           </p:sp>
         </mc:Choice>
-        <mc:Fallback>
+        <mc:Fallback xmlns="">
           <p:sp>
             <p:nvSpPr>
               <p:cNvPr id="2" name="文字方塊 1">
@@ -5426,8 +5766,8 @@
           </a:p>
         </p:txBody>
       </p:sp>
-      <mc:AlternateContent xmlns:mc="http://schemas.openxmlformats.org/markup-compatibility/2006">
-        <mc:Choice xmlns:a14="http://schemas.microsoft.com/office/drawing/2010/main" Requires="a14">
+      <mc:AlternateContent xmlns:mc="http://schemas.openxmlformats.org/markup-compatibility/2006" xmlns:a14="http://schemas.microsoft.com/office/drawing/2010/main">
+        <mc:Choice Requires="a14">
           <p:sp>
             <p:nvSpPr>
               <p:cNvPr id="4" name="文字方塊 3">
@@ -6370,13 +6710,7 @@
                                 <a:rPr lang="en-US" altLang="zh-TW" i="1">
                                   <a:latin typeface="Cambria Math" panose="02040503050406030204" pitchFamily="18" charset="0"/>
                                 </a:rPr>
-                                <m:t>−</m:t>
-                              </m:r>
-                              <m:r>
-                                <a:rPr lang="en-US" altLang="zh-TW" i="1">
-                                  <a:latin typeface="Cambria Math" panose="02040503050406030204" pitchFamily="18" charset="0"/>
-                                </a:rPr>
-                                <m:t>2</m:t>
+                                <m:t>−2</m:t>
                               </m:r>
                             </m:sup>
                           </m:sSup>
@@ -6853,7 +7187,7 @@
             </p:txBody>
           </p:sp>
         </mc:Choice>
-        <mc:Fallback>
+        <mc:Fallback xmlns="">
           <p:sp>
             <p:nvSpPr>
               <p:cNvPr id="4" name="文字方塊 3">
@@ -6985,6 +7319,300 @@
           </a:p>
         </p:txBody>
       </p:sp>
+      <p:sp>
+        <p:nvSpPr>
+          <p:cNvPr id="3" name="文字方塊 2">
+            <a:extLst>
+              <a:ext uri="{FF2B5EF4-FFF2-40B4-BE49-F238E27FC236}">
+                <a16:creationId xmlns:a16="http://schemas.microsoft.com/office/drawing/2014/main" id="{FB7AF354-3666-65A0-A5A5-63096BB9D3F2}"/>
+              </a:ext>
+            </a:extLst>
+          </p:cNvPr>
+          <p:cNvSpPr txBox="1"/>
+          <p:nvPr/>
+        </p:nvSpPr>
+        <p:spPr>
+          <a:xfrm>
+            <a:off x="251519" y="1412776"/>
+            <a:ext cx="8713983" cy="2554545"/>
+          </a:xfrm>
+          <a:prstGeom prst="rect">
+            <a:avLst/>
+          </a:prstGeom>
+          <a:noFill/>
+        </p:spPr>
+        <p:txBody>
+          <a:bodyPr wrap="square" rtlCol="0">
+            <a:spAutoFit/>
+          </a:bodyPr>
+          <a:lstStyle/>
+          <a:p>
+            <a:r>
+              <a:rPr kumimoji="1" lang="en-US" altLang="zh-TW" dirty="0">
+                <a:latin typeface="Calibri" panose="020F0502020204030204" pitchFamily="34" charset="0"/>
+                <a:ea typeface="+mn-ea"/>
+                <a:cs typeface="Calibri" panose="020F0502020204030204" pitchFamily="34" charset="0"/>
+              </a:rPr>
+              <a:t>(a)</a:t>
+            </a:r>
+          </a:p>
+          <a:p>
+            <a:r>
+              <a:rPr lang="zh-TW" altLang="en-US" dirty="0">
+                <a:latin typeface="Calibri" panose="020F0502020204030204" pitchFamily="34" charset="0"/>
+                <a:ea typeface="+mn-ea"/>
+                <a:cs typeface="Calibri" panose="020F0502020204030204" pitchFamily="34" charset="0"/>
+              </a:rPr>
+              <a:t>在不增加濾波器的點數的情況下，</a:t>
+            </a:r>
+            <a:r>
+              <a:rPr lang="en-US" altLang="zh-TW" dirty="0">
+                <a:latin typeface="Calibri" panose="020F0502020204030204" pitchFamily="34" charset="0"/>
+                <a:ea typeface="+mn-ea"/>
+                <a:cs typeface="Calibri" panose="020F0502020204030204" pitchFamily="34" charset="0"/>
+              </a:rPr>
+              <a:t>transition</a:t>
+            </a:r>
+            <a:r>
+              <a:rPr lang="zh-TW" altLang="en-US" dirty="0">
+                <a:latin typeface="Calibri" panose="020F0502020204030204" pitchFamily="34" charset="0"/>
+                <a:ea typeface="+mn-ea"/>
+                <a:cs typeface="Calibri" panose="020F0502020204030204" pitchFamily="34" charset="0"/>
+              </a:rPr>
+              <a:t> </a:t>
+            </a:r>
+            <a:r>
+              <a:rPr lang="en-US" altLang="zh-TW" dirty="0">
+                <a:latin typeface="Calibri" panose="020F0502020204030204" pitchFamily="34" charset="0"/>
+                <a:ea typeface="+mn-ea"/>
+                <a:cs typeface="Calibri" panose="020F0502020204030204" pitchFamily="34" charset="0"/>
+              </a:rPr>
+              <a:t>band</a:t>
+            </a:r>
+            <a:r>
+              <a:rPr lang="zh-TW" altLang="en-US" dirty="0">
+                <a:latin typeface="Calibri" panose="020F0502020204030204" pitchFamily="34" charset="0"/>
+                <a:ea typeface="+mn-ea"/>
+                <a:cs typeface="Calibri" panose="020F0502020204030204" pitchFamily="34" charset="0"/>
+              </a:rPr>
+              <a:t>可以讓誤差減少。</a:t>
+            </a:r>
+            <a:r>
+              <a:rPr lang="en-US" altLang="zh-TW" dirty="0">
+                <a:latin typeface="Calibri" panose="020F0502020204030204" pitchFamily="34" charset="0"/>
+                <a:ea typeface="+mn-ea"/>
+                <a:cs typeface="Calibri" panose="020F0502020204030204" pitchFamily="34" charset="0"/>
+              </a:rPr>
+              <a:t> transition</a:t>
+            </a:r>
+            <a:r>
+              <a:rPr lang="zh-TW" altLang="en-US" dirty="0">
+                <a:latin typeface="Calibri" panose="020F0502020204030204" pitchFamily="34" charset="0"/>
+                <a:ea typeface="+mn-ea"/>
+                <a:cs typeface="Calibri" panose="020F0502020204030204" pitchFamily="34" charset="0"/>
+              </a:rPr>
+              <a:t> </a:t>
+            </a:r>
+            <a:r>
+              <a:rPr lang="en-US" altLang="zh-TW" dirty="0">
+                <a:latin typeface="Calibri" panose="020F0502020204030204" pitchFamily="34" charset="0"/>
+                <a:ea typeface="+mn-ea"/>
+                <a:cs typeface="Calibri" panose="020F0502020204030204" pitchFamily="34" charset="0"/>
+              </a:rPr>
+              <a:t>band</a:t>
+            </a:r>
+            <a:r>
+              <a:rPr lang="zh-TW" altLang="en-US" dirty="0">
+                <a:latin typeface="Calibri" panose="020F0502020204030204" pitchFamily="34" charset="0"/>
+                <a:ea typeface="+mn-ea"/>
+                <a:cs typeface="Calibri" panose="020F0502020204030204" pitchFamily="34" charset="0"/>
+              </a:rPr>
+              <a:t>越寬，設計出來的濾波器就相對平緩，</a:t>
+            </a:r>
+            <a:r>
+              <a:rPr lang="en-US" altLang="zh-TW" dirty="0">
+                <a:latin typeface="Calibri" panose="020F0502020204030204" pitchFamily="34" charset="0"/>
+                <a:ea typeface="+mn-ea"/>
+                <a:cs typeface="Calibri" panose="020F0502020204030204" pitchFamily="34" charset="0"/>
+              </a:rPr>
+              <a:t>passband</a:t>
+            </a:r>
+            <a:r>
+              <a:rPr lang="zh-TW" altLang="en-US" dirty="0">
+                <a:latin typeface="Calibri" panose="020F0502020204030204" pitchFamily="34" charset="0"/>
+                <a:ea typeface="+mn-ea"/>
+                <a:cs typeface="Calibri" panose="020F0502020204030204" pitchFamily="34" charset="0"/>
+              </a:rPr>
+              <a:t> 和 </a:t>
+            </a:r>
+            <a:r>
+              <a:rPr lang="en-US" altLang="zh-TW" dirty="0">
+                <a:latin typeface="Calibri" panose="020F0502020204030204" pitchFamily="34" charset="0"/>
+                <a:ea typeface="+mn-ea"/>
+                <a:cs typeface="Calibri" panose="020F0502020204030204" pitchFamily="34" charset="0"/>
+              </a:rPr>
+              <a:t>stopband</a:t>
+            </a:r>
+            <a:r>
+              <a:rPr lang="zh-TW" altLang="en-US" dirty="0">
+                <a:latin typeface="Calibri" panose="020F0502020204030204" pitchFamily="34" charset="0"/>
+                <a:ea typeface="+mn-ea"/>
+                <a:cs typeface="Calibri" panose="020F0502020204030204" pitchFamily="34" charset="0"/>
+              </a:rPr>
+              <a:t>的誤差就可以變小。有</a:t>
+            </a:r>
+            <a:r>
+              <a:rPr lang="en-US" altLang="zh-TW" dirty="0">
+                <a:latin typeface="Calibri" panose="020F0502020204030204" pitchFamily="34" charset="0"/>
+                <a:ea typeface="+mn-ea"/>
+                <a:cs typeface="Calibri" panose="020F0502020204030204" pitchFamily="34" charset="0"/>
+              </a:rPr>
+              <a:t>transition</a:t>
+            </a:r>
+            <a:r>
+              <a:rPr lang="zh-TW" altLang="en-US" dirty="0">
+                <a:latin typeface="Calibri" panose="020F0502020204030204" pitchFamily="34" charset="0"/>
+                <a:ea typeface="+mn-ea"/>
+                <a:cs typeface="Calibri" panose="020F0502020204030204" pitchFamily="34" charset="0"/>
+              </a:rPr>
+              <a:t> </a:t>
+            </a:r>
+            <a:r>
+              <a:rPr lang="en-US" altLang="zh-TW" dirty="0">
+                <a:latin typeface="Calibri" panose="020F0502020204030204" pitchFamily="34" charset="0"/>
+                <a:ea typeface="+mn-ea"/>
+                <a:cs typeface="Calibri" panose="020F0502020204030204" pitchFamily="34" charset="0"/>
+              </a:rPr>
+              <a:t>band</a:t>
+            </a:r>
+            <a:r>
+              <a:rPr lang="zh-TW" altLang="en-US" dirty="0">
+                <a:latin typeface="Calibri" panose="020F0502020204030204" pitchFamily="34" charset="0"/>
+                <a:ea typeface="+mn-ea"/>
+                <a:cs typeface="Calibri" panose="020F0502020204030204" pitchFamily="34" charset="0"/>
+              </a:rPr>
+              <a:t>的話，才有機會讓誤差</a:t>
+            </a:r>
+            <a:r>
+              <a:rPr lang="en-US" altLang="zh-TW" dirty="0">
+                <a:latin typeface="Calibri" panose="020F0502020204030204" pitchFamily="34" charset="0"/>
+                <a:ea typeface="+mn-ea"/>
+                <a:cs typeface="Calibri" panose="020F0502020204030204" pitchFamily="34" charset="0"/>
+              </a:rPr>
+              <a:t>&lt;0.5</a:t>
+            </a:r>
+            <a:r>
+              <a:rPr lang="zh-TW" altLang="en-US" dirty="0">
+                <a:latin typeface="Calibri" panose="020F0502020204030204" pitchFamily="34" charset="0"/>
+                <a:ea typeface="+mn-ea"/>
+                <a:cs typeface="Calibri" panose="020F0502020204030204" pitchFamily="34" charset="0"/>
+              </a:rPr>
+              <a:t>。</a:t>
+            </a:r>
+            <a:endParaRPr lang="en-US" altLang="zh-TW" dirty="0">
+              <a:latin typeface="Calibri" panose="020F0502020204030204" pitchFamily="34" charset="0"/>
+              <a:ea typeface="+mn-ea"/>
+              <a:cs typeface="Calibri" panose="020F0502020204030204" pitchFamily="34" charset="0"/>
+            </a:endParaRPr>
+          </a:p>
+          <a:p>
+            <a:endParaRPr kumimoji="1" lang="en-US" altLang="zh-TW" dirty="0">
+              <a:latin typeface="Calibri" panose="020F0502020204030204" pitchFamily="34" charset="0"/>
+              <a:ea typeface="+mn-ea"/>
+              <a:cs typeface="Calibri" panose="020F0502020204030204" pitchFamily="34" charset="0"/>
+            </a:endParaRPr>
+          </a:p>
+          <a:p>
+            <a:r>
+              <a:rPr lang="en-US" altLang="zh-TW" dirty="0">
+                <a:latin typeface="Calibri" panose="020F0502020204030204" pitchFamily="34" charset="0"/>
+                <a:ea typeface="+mn-ea"/>
+                <a:cs typeface="Calibri" panose="020F0502020204030204" pitchFamily="34" charset="0"/>
+              </a:rPr>
+              <a:t>(b)</a:t>
+            </a:r>
+          </a:p>
+          <a:p>
+            <a:r>
+              <a:rPr lang="zh-TW" altLang="en-US" dirty="0">
+                <a:latin typeface="Calibri" panose="020F0502020204030204" pitchFamily="34" charset="0"/>
+                <a:ea typeface="+mn-ea"/>
+                <a:cs typeface="Calibri" panose="020F0502020204030204" pitchFamily="34" charset="0"/>
+              </a:rPr>
+              <a:t>可以透過給予</a:t>
+            </a:r>
+            <a:r>
+              <a:rPr lang="en-US" altLang="zh-TW" dirty="0">
+                <a:latin typeface="Calibri" panose="020F0502020204030204" pitchFamily="34" charset="0"/>
+                <a:ea typeface="+mn-ea"/>
+                <a:cs typeface="Calibri" panose="020F0502020204030204" pitchFamily="34" charset="0"/>
+              </a:rPr>
+              <a:t>passband</a:t>
+            </a:r>
+            <a:r>
+              <a:rPr lang="zh-TW" altLang="en-US" dirty="0">
+                <a:latin typeface="Calibri" panose="020F0502020204030204" pitchFamily="34" charset="0"/>
+                <a:ea typeface="+mn-ea"/>
+                <a:cs typeface="Calibri" panose="020F0502020204030204" pitchFamily="34" charset="0"/>
+              </a:rPr>
+              <a:t> 和</a:t>
+            </a:r>
+            <a:r>
+              <a:rPr lang="en-US" altLang="zh-TW" dirty="0">
+                <a:latin typeface="Calibri" panose="020F0502020204030204" pitchFamily="34" charset="0"/>
+                <a:ea typeface="+mn-ea"/>
+                <a:cs typeface="Calibri" panose="020F0502020204030204" pitchFamily="34" charset="0"/>
+              </a:rPr>
+              <a:t>stopband</a:t>
+            </a:r>
+            <a:r>
+              <a:rPr lang="zh-TW" altLang="en-US" dirty="0">
+                <a:latin typeface="Calibri" panose="020F0502020204030204" pitchFamily="34" charset="0"/>
+                <a:ea typeface="+mn-ea"/>
+                <a:cs typeface="Calibri" panose="020F0502020204030204" pitchFamily="34" charset="0"/>
+              </a:rPr>
+              <a:t>不同加權，在特定頻帶規定誤差要比較小，</a:t>
+            </a:r>
+            <a:r>
+              <a:rPr lang="en-US" altLang="zh-TW" dirty="0">
+                <a:latin typeface="Calibri" panose="020F0502020204030204" pitchFamily="34" charset="0"/>
+                <a:ea typeface="+mn-ea"/>
+                <a:cs typeface="Calibri" panose="020F0502020204030204" pitchFamily="34" charset="0"/>
+              </a:rPr>
+              <a:t> weight</a:t>
+            </a:r>
+            <a:r>
+              <a:rPr lang="zh-TW" altLang="en-US" dirty="0">
+                <a:latin typeface="Calibri" panose="020F0502020204030204" pitchFamily="34" charset="0"/>
+                <a:ea typeface="+mn-ea"/>
+                <a:cs typeface="Calibri" panose="020F0502020204030204" pitchFamily="34" charset="0"/>
+              </a:rPr>
+              <a:t> 就給大一點，在某些頻帶誤差允許大一些，</a:t>
+            </a:r>
+            <a:r>
+              <a:rPr lang="en-US" altLang="zh-TW" dirty="0">
+                <a:latin typeface="Calibri" panose="020F0502020204030204" pitchFamily="34" charset="0"/>
+                <a:ea typeface="+mn-ea"/>
+                <a:cs typeface="Calibri" panose="020F0502020204030204" pitchFamily="34" charset="0"/>
+              </a:rPr>
+              <a:t> weight</a:t>
+            </a:r>
+            <a:r>
+              <a:rPr lang="zh-TW" altLang="en-US" dirty="0">
+                <a:latin typeface="Calibri" panose="020F0502020204030204" pitchFamily="34" charset="0"/>
+                <a:ea typeface="+mn-ea"/>
+                <a:cs typeface="Calibri" panose="020F0502020204030204" pitchFamily="34" charset="0"/>
+              </a:rPr>
+              <a:t>就給小一點。</a:t>
+            </a:r>
+            <a:endParaRPr lang="en-US" altLang="zh-TW" dirty="0">
+              <a:latin typeface="Calibri" panose="020F0502020204030204" pitchFamily="34" charset="0"/>
+              <a:ea typeface="+mn-ea"/>
+              <a:cs typeface="Calibri" panose="020F0502020204030204" pitchFamily="34" charset="0"/>
+            </a:endParaRPr>
+          </a:p>
+        </p:txBody>
+      </p:sp>
     </p:spTree>
     <p:extLst>
       <p:ext uri="{BB962C8B-B14F-4D97-AF65-F5344CB8AC3E}">
@@ -7186,8 +7814,8 @@
           </a:p>
         </p:txBody>
       </p:sp>
-      <mc:AlternateContent xmlns:mc="http://schemas.openxmlformats.org/markup-compatibility/2006">
-        <mc:Choice xmlns:a14="http://schemas.microsoft.com/office/drawing/2010/main" Requires="a14">
+      <mc:AlternateContent xmlns:mc="http://schemas.openxmlformats.org/markup-compatibility/2006" xmlns:a14="http://schemas.microsoft.com/office/drawing/2010/main">
+        <mc:Choice Requires="a14">
           <p:sp>
             <p:nvSpPr>
               <p:cNvPr id="5" name="文字方塊 4">
@@ -7216,6 +7844,7 @@
               </a:bodyPr>
               <a:lstStyle/>
               <a:p>
+                <a:pPr/>
                 <a14:m>
                   <m:oMathPara xmlns:m="http://schemas.openxmlformats.org/officeDocument/2006/math">
                     <m:oMathParaPr>
@@ -7441,6 +8070,7 @@
                 <a:endParaRPr lang="en-US" altLang="zh-TW" b="0" dirty="0"/>
               </a:p>
               <a:p>
+                <a:pPr/>
                 <a14:m>
                   <m:oMathPara xmlns:m="http://schemas.openxmlformats.org/officeDocument/2006/math">
                     <m:oMathParaPr>
@@ -7472,6 +8102,7 @@
                 <a:endParaRPr lang="en-US" altLang="zh-TW" dirty="0"/>
               </a:p>
               <a:p>
+                <a:pPr/>
                 <a14:m>
                   <m:oMathPara xmlns:m="http://schemas.openxmlformats.org/officeDocument/2006/math">
                     <m:oMathParaPr>
@@ -7617,6 +8248,7 @@
                 <a:endParaRPr lang="en-US" altLang="zh-TW" b="0" dirty="0"/>
               </a:p>
               <a:p>
+                <a:pPr/>
                 <a14:m>
                   <m:oMathPara xmlns:m="http://schemas.openxmlformats.org/officeDocument/2006/math">
                     <m:oMathParaPr>
@@ -7922,7 +8554,7 @@
                       <a:rPr lang="en-US" altLang="zh-TW" b="0" i="1" dirty="0" smtClean="0">
                         <a:latin typeface="Cambria Math" panose="02040503050406030204" pitchFamily="18" charset="0"/>
                       </a:rPr>
-                      <m:t>⇒400</m:t>
+                      <m:t>⇒5400</m:t>
                     </m:r>
                   </m:oMath>
                 </a14:m>
@@ -7937,7 +8569,7 @@
             </p:txBody>
           </p:sp>
         </mc:Choice>
-        <mc:Fallback>
+        <mc:Fallback xmlns="">
           <p:sp>
             <p:nvSpPr>
               <p:cNvPr id="5" name="文字方塊 4">
@@ -8164,6 +8796,1787 @@
           </a:p>
         </p:txBody>
       </p:sp>
+      <mc:AlternateContent xmlns:mc="http://schemas.openxmlformats.org/markup-compatibility/2006">
+        <mc:Choice xmlns:a14="http://schemas.microsoft.com/office/drawing/2010/main" Requires="a14">
+          <p:sp>
+            <p:nvSpPr>
+              <p:cNvPr id="3" name="文字方塊 2">
+                <a:extLst>
+                  <a:ext uri="{FF2B5EF4-FFF2-40B4-BE49-F238E27FC236}">
+                    <a16:creationId xmlns:a16="http://schemas.microsoft.com/office/drawing/2014/main" id="{BE3FBB0F-D690-5231-6747-F8AC41C2DFE4}"/>
+                  </a:ext>
+                </a:extLst>
+              </p:cNvPr>
+              <p:cNvSpPr txBox="1"/>
+              <p:nvPr/>
+            </p:nvSpPr>
+            <p:spPr>
+              <a:xfrm>
+                <a:off x="251519" y="1437914"/>
+                <a:ext cx="8713983" cy="4848058"/>
+              </a:xfrm>
+              <a:prstGeom prst="rect">
+                <a:avLst/>
+              </a:prstGeom>
+              <a:noFill/>
+            </p:spPr>
+            <p:txBody>
+              <a:bodyPr wrap="square" rtlCol="0">
+                <a:spAutoFit/>
+              </a:bodyPr>
+              <a:lstStyle/>
+              <a:p>
+                <a:pPr/>
+                <a14:m>
+                  <m:oMathPara xmlns:m="http://schemas.openxmlformats.org/officeDocument/2006/math">
+                    <m:oMathParaPr>
+                      <m:jc m:val="centerGroup"/>
+                    </m:oMathParaPr>
+                    <m:oMath xmlns:m="http://schemas.openxmlformats.org/officeDocument/2006/math">
+                      <m:r>
+                        <a:rPr kumimoji="1" lang="en-US" altLang="zh-TW" sz="1600" b="0" i="1" smtClean="0">
+                          <a:latin typeface="Cambria Math" panose="02040503050406030204" pitchFamily="18" charset="0"/>
+                        </a:rPr>
+                        <m:t>𝑁</m:t>
+                      </m:r>
+                      <m:r>
+                        <a:rPr kumimoji="1" lang="en-US" altLang="zh-TW" sz="1600" b="0" i="1" smtClean="0">
+                          <a:latin typeface="Cambria Math" panose="02040503050406030204" pitchFamily="18" charset="0"/>
+                        </a:rPr>
+                        <m:t>=7,</m:t>
+                      </m:r>
+                      <m:r>
+                        <a:rPr kumimoji="1" lang="zh-TW" altLang="en-US" sz="1600" b="0" i="1" smtClean="0">
+                          <a:latin typeface="Cambria Math" panose="02040503050406030204" pitchFamily="18" charset="0"/>
+                        </a:rPr>
+                        <m:t> </m:t>
+                      </m:r>
+                      <m:r>
+                        <a:rPr kumimoji="1" lang="en-US" altLang="zh-TW" sz="1600" b="0" i="1" smtClean="0">
+                          <a:latin typeface="Cambria Math" panose="02040503050406030204" pitchFamily="18" charset="0"/>
+                        </a:rPr>
+                        <m:t>𝑘</m:t>
+                      </m:r>
+                      <m:r>
+                        <a:rPr kumimoji="1" lang="en-US" altLang="zh-TW" sz="1600" b="0" i="1" smtClean="0">
+                          <a:latin typeface="Cambria Math" panose="02040503050406030204" pitchFamily="18" charset="0"/>
+                        </a:rPr>
+                        <m:t>=</m:t>
+                      </m:r>
+                      <m:r>
+                        <a:rPr kumimoji="1" lang="zh-TW" altLang="en-US" sz="1600" b="0" i="1" smtClean="0">
+                          <a:latin typeface="Cambria Math" panose="02040503050406030204" pitchFamily="18" charset="0"/>
+                        </a:rPr>
+                        <m:t> </m:t>
+                      </m:r>
+                      <m:f>
+                        <m:fPr>
+                          <m:ctrlPr>
+                            <a:rPr kumimoji="1" lang="en-US" altLang="zh-TW" sz="1600" b="0" i="1" smtClean="0">
+                              <a:latin typeface="Cambria Math" panose="02040503050406030204" pitchFamily="18" charset="0"/>
+                            </a:rPr>
+                          </m:ctrlPr>
+                        </m:fPr>
+                        <m:num>
+                          <m:r>
+                            <a:rPr kumimoji="1" lang="en-US" altLang="zh-TW" sz="1600" b="0" i="1" smtClean="0">
+                              <a:latin typeface="Cambria Math" panose="02040503050406030204" pitchFamily="18" charset="0"/>
+                            </a:rPr>
+                            <m:t>𝑁</m:t>
+                          </m:r>
+                          <m:r>
+                            <a:rPr kumimoji="1" lang="en-US" altLang="zh-TW" sz="1600" b="0" i="1" smtClean="0">
+                              <a:latin typeface="Cambria Math" panose="02040503050406030204" pitchFamily="18" charset="0"/>
+                            </a:rPr>
+                            <m:t>−1</m:t>
+                          </m:r>
+                        </m:num>
+                        <m:den>
+                          <m:r>
+                            <a:rPr kumimoji="1" lang="en-US" altLang="zh-TW" sz="1600" b="0" i="1" smtClean="0">
+                              <a:latin typeface="Cambria Math" panose="02040503050406030204" pitchFamily="18" charset="0"/>
+                            </a:rPr>
+                            <m:t>2</m:t>
+                          </m:r>
+                        </m:den>
+                      </m:f>
+                      <m:r>
+                        <a:rPr kumimoji="1" lang="en-US" altLang="zh-TW" sz="1600" b="0" i="1" smtClean="0">
+                          <a:latin typeface="Cambria Math" panose="02040503050406030204" pitchFamily="18" charset="0"/>
+                        </a:rPr>
+                        <m:t>=3</m:t>
+                      </m:r>
+                    </m:oMath>
+                  </m:oMathPara>
+                </a14:m>
+                <a:endParaRPr kumimoji="1" lang="en-US" altLang="zh-TW" sz="1600" b="0" dirty="0"/>
+              </a:p>
+              <a:p>
+                <a:pPr/>
+                <a14:m>
+                  <m:oMathPara xmlns:m="http://schemas.openxmlformats.org/officeDocument/2006/math">
+                    <m:oMathParaPr>
+                      <m:jc m:val="centerGroup"/>
+                    </m:oMathParaPr>
+                    <m:oMath xmlns:m="http://schemas.openxmlformats.org/officeDocument/2006/math">
+                      <m:r>
+                        <a:rPr kumimoji="1" lang="en-US" altLang="zh-TW" sz="1600" b="0" i="1" smtClean="0">
+                          <a:latin typeface="Cambria Math" panose="02040503050406030204" pitchFamily="18" charset="0"/>
+                        </a:rPr>
+                        <m:t>𝑠</m:t>
+                      </m:r>
+                      <m:d>
+                        <m:dPr>
+                          <m:begChr m:val="["/>
+                          <m:endChr m:val="]"/>
+                          <m:ctrlPr>
+                            <a:rPr kumimoji="1" lang="en-US" altLang="zh-TW" sz="1600" b="0" i="1" smtClean="0">
+                              <a:latin typeface="Cambria Math" panose="02040503050406030204" pitchFamily="18" charset="0"/>
+                            </a:rPr>
+                          </m:ctrlPr>
+                        </m:dPr>
+                        <m:e>
+                          <m:r>
+                            <a:rPr kumimoji="1" lang="en-US" altLang="zh-TW" sz="1600" b="0" i="1" smtClean="0">
+                              <a:latin typeface="Cambria Math" panose="02040503050406030204" pitchFamily="18" charset="0"/>
+                            </a:rPr>
+                            <m:t>0</m:t>
+                          </m:r>
+                        </m:e>
+                      </m:d>
+                      <m:r>
+                        <a:rPr kumimoji="1" lang="en-US" altLang="zh-TW" sz="1600" b="0" i="1" smtClean="0">
+                          <a:latin typeface="Cambria Math" panose="02040503050406030204" pitchFamily="18" charset="0"/>
+                        </a:rPr>
+                        <m:t>=</m:t>
+                      </m:r>
+                      <m:nary>
+                        <m:naryPr>
+                          <m:ctrlPr>
+                            <a:rPr kumimoji="1" lang="en-US" altLang="zh-TW" sz="1600" b="0" i="1" smtClean="0">
+                              <a:latin typeface="Cambria Math" panose="02040503050406030204" pitchFamily="18" charset="0"/>
+                            </a:rPr>
+                          </m:ctrlPr>
+                        </m:naryPr>
+                        <m:sub>
+                          <m:r>
+                            <m:rPr>
+                              <m:brk m:alnAt="23"/>
+                            </m:rPr>
+                            <a:rPr kumimoji="1" lang="en-US" altLang="zh-TW" sz="1600" b="0" i="1" smtClean="0">
+                              <a:latin typeface="Cambria Math" panose="02040503050406030204" pitchFamily="18" charset="0"/>
+                            </a:rPr>
+                            <m:t>−</m:t>
+                          </m:r>
+                          <m:f>
+                            <m:fPr>
+                              <m:ctrlPr>
+                                <a:rPr kumimoji="1" lang="en-US" altLang="zh-TW" sz="1600" b="0" i="1" smtClean="0">
+                                  <a:latin typeface="Cambria Math" panose="02040503050406030204" pitchFamily="18" charset="0"/>
+                                </a:rPr>
+                              </m:ctrlPr>
+                            </m:fPr>
+                            <m:num>
+                              <m:r>
+                                <a:rPr kumimoji="1" lang="en-US" altLang="zh-TW" sz="1600" b="0" i="1" smtClean="0">
+                                  <a:latin typeface="Cambria Math" panose="02040503050406030204" pitchFamily="18" charset="0"/>
+                                </a:rPr>
+                                <m:t>1</m:t>
+                              </m:r>
+                            </m:num>
+                            <m:den>
+                              <m:r>
+                                <a:rPr kumimoji="1" lang="en-US" altLang="zh-TW" sz="1600" b="0" i="1" smtClean="0">
+                                  <a:latin typeface="Cambria Math" panose="02040503050406030204" pitchFamily="18" charset="0"/>
+                                </a:rPr>
+                                <m:t>2</m:t>
+                              </m:r>
+                            </m:den>
+                          </m:f>
+                        </m:sub>
+                        <m:sup>
+                          <m:f>
+                            <m:fPr>
+                              <m:ctrlPr>
+                                <a:rPr kumimoji="1" lang="en-US" altLang="zh-TW" sz="1600" b="0" i="1" smtClean="0">
+                                  <a:latin typeface="Cambria Math" panose="02040503050406030204" pitchFamily="18" charset="0"/>
+                                </a:rPr>
+                              </m:ctrlPr>
+                            </m:fPr>
+                            <m:num>
+                              <m:r>
+                                <a:rPr kumimoji="1" lang="en-US" altLang="zh-TW" sz="1600" b="0" i="1" smtClean="0">
+                                  <a:latin typeface="Cambria Math" panose="02040503050406030204" pitchFamily="18" charset="0"/>
+                                </a:rPr>
+                                <m:t>1</m:t>
+                              </m:r>
+                            </m:num>
+                            <m:den>
+                              <m:r>
+                                <a:rPr kumimoji="1" lang="en-US" altLang="zh-TW" sz="1600" b="0" i="1" smtClean="0">
+                                  <a:latin typeface="Cambria Math" panose="02040503050406030204" pitchFamily="18" charset="0"/>
+                                </a:rPr>
+                                <m:t>2</m:t>
+                              </m:r>
+                            </m:den>
+                          </m:f>
+                        </m:sup>
+                        <m:e>
+                          <m:sSub>
+                            <m:sSubPr>
+                              <m:ctrlPr>
+                                <a:rPr kumimoji="1" lang="en-US" altLang="zh-TW" sz="1600" b="0" i="1" smtClean="0">
+                                  <a:latin typeface="Cambria Math" panose="02040503050406030204" pitchFamily="18" charset="0"/>
+                                </a:rPr>
+                              </m:ctrlPr>
+                            </m:sSubPr>
+                            <m:e>
+                              <m:r>
+                                <a:rPr kumimoji="1" lang="en-US" altLang="zh-TW" sz="1600" b="0" i="1" smtClean="0">
+                                  <a:latin typeface="Cambria Math" panose="02040503050406030204" pitchFamily="18" charset="0"/>
+                                </a:rPr>
+                                <m:t>𝐻</m:t>
+                              </m:r>
+                            </m:e>
+                            <m:sub>
+                              <m:r>
+                                <a:rPr kumimoji="1" lang="en-US" altLang="zh-TW" sz="1600" b="0" i="1" smtClean="0">
+                                  <a:latin typeface="Cambria Math" panose="02040503050406030204" pitchFamily="18" charset="0"/>
+                                </a:rPr>
+                                <m:t>𝑑</m:t>
+                              </m:r>
+                            </m:sub>
+                          </m:sSub>
+                          <m:d>
+                            <m:dPr>
+                              <m:ctrlPr>
+                                <a:rPr kumimoji="1" lang="en-US" altLang="zh-TW" sz="1600" b="0" i="1" smtClean="0">
+                                  <a:latin typeface="Cambria Math" panose="02040503050406030204" pitchFamily="18" charset="0"/>
+                                </a:rPr>
+                              </m:ctrlPr>
+                            </m:dPr>
+                            <m:e>
+                              <m:r>
+                                <a:rPr kumimoji="1" lang="en-US" altLang="zh-TW" sz="1600" b="0" i="1" smtClean="0">
+                                  <a:latin typeface="Cambria Math" panose="02040503050406030204" pitchFamily="18" charset="0"/>
+                                </a:rPr>
+                                <m:t>𝐹</m:t>
+                              </m:r>
+                            </m:e>
+                          </m:d>
+                          <m:r>
+                            <a:rPr kumimoji="1" lang="en-US" altLang="zh-TW" sz="1600" b="0" i="1" smtClean="0">
+                              <a:latin typeface="Cambria Math" panose="02040503050406030204" pitchFamily="18" charset="0"/>
+                            </a:rPr>
+                            <m:t>𝑑𝐹</m:t>
+                          </m:r>
+                          <m:r>
+                            <a:rPr kumimoji="1" lang="en-US" altLang="zh-TW" sz="1600" b="0" i="1" smtClean="0">
+                              <a:latin typeface="Cambria Math" panose="02040503050406030204" pitchFamily="18" charset="0"/>
+                            </a:rPr>
+                            <m:t>=</m:t>
+                          </m:r>
+                          <m:nary>
+                            <m:naryPr>
+                              <m:ctrlPr>
+                                <a:rPr lang="en-US" altLang="zh-TW" sz="1600" i="1">
+                                  <a:latin typeface="Cambria Math" panose="02040503050406030204" pitchFamily="18" charset="0"/>
+                                </a:rPr>
+                              </m:ctrlPr>
+                            </m:naryPr>
+                            <m:sub>
+                              <m:r>
+                                <m:rPr>
+                                  <m:brk m:alnAt="23"/>
+                                </m:rPr>
+                                <a:rPr lang="en-US" altLang="zh-TW" sz="1600" i="1">
+                                  <a:latin typeface="Cambria Math" panose="02040503050406030204" pitchFamily="18" charset="0"/>
+                                </a:rPr>
+                                <m:t>−</m:t>
+                              </m:r>
+                              <m:r>
+                                <a:rPr lang="en-US" altLang="zh-TW" sz="1600" i="1">
+                                  <a:latin typeface="Cambria Math" panose="02040503050406030204" pitchFamily="18" charset="0"/>
+                                </a:rPr>
+                                <m:t>0.4</m:t>
+                              </m:r>
+                            </m:sub>
+                            <m:sup>
+                              <m:r>
+                                <a:rPr lang="en-US" altLang="zh-TW" sz="1600" i="1">
+                                  <a:latin typeface="Cambria Math" panose="02040503050406030204" pitchFamily="18" charset="0"/>
+                                </a:rPr>
+                                <m:t>−0.1</m:t>
+                              </m:r>
+                            </m:sup>
+                            <m:e>
+                              <m:r>
+                                <a:rPr lang="en-US" altLang="zh-TW" sz="1600" i="1">
+                                  <a:latin typeface="Cambria Math" panose="02040503050406030204" pitchFamily="18" charset="0"/>
+                                </a:rPr>
+                                <m:t>1</m:t>
+                              </m:r>
+                              <m:r>
+                                <a:rPr lang="zh-TW" altLang="en-US" sz="1600" i="1">
+                                  <a:latin typeface="Cambria Math" panose="02040503050406030204" pitchFamily="18" charset="0"/>
+                                </a:rPr>
+                                <m:t> </m:t>
+                              </m:r>
+                              <m:r>
+                                <a:rPr lang="en-US" altLang="zh-TW" sz="1600" i="1">
+                                  <a:latin typeface="Cambria Math" panose="02040503050406030204" pitchFamily="18" charset="0"/>
+                                </a:rPr>
+                                <m:t>𝑑𝐹</m:t>
+                              </m:r>
+                              <m:r>
+                                <a:rPr lang="en-US" altLang="zh-TW" sz="1600" i="1">
+                                  <a:latin typeface="Cambria Math" panose="02040503050406030204" pitchFamily="18" charset="0"/>
+                                </a:rPr>
+                                <m:t>+</m:t>
+                              </m:r>
+                              <m:nary>
+                                <m:naryPr>
+                                  <m:ctrlPr>
+                                    <a:rPr lang="en-US" altLang="zh-TW" sz="1600" i="1">
+                                      <a:latin typeface="Cambria Math" panose="02040503050406030204" pitchFamily="18" charset="0"/>
+                                    </a:rPr>
+                                  </m:ctrlPr>
+                                </m:naryPr>
+                                <m:sub>
+                                  <m:r>
+                                    <a:rPr lang="en-US" altLang="zh-TW" sz="1600" i="1">
+                                      <a:latin typeface="Cambria Math" panose="02040503050406030204" pitchFamily="18" charset="0"/>
+                                    </a:rPr>
+                                    <m:t>0.1</m:t>
+                                  </m:r>
+                                </m:sub>
+                                <m:sup>
+                                  <m:r>
+                                    <a:rPr lang="en-US" altLang="zh-TW" sz="1600" i="1">
+                                      <a:latin typeface="Cambria Math" panose="02040503050406030204" pitchFamily="18" charset="0"/>
+                                    </a:rPr>
+                                    <m:t>0.4</m:t>
+                                  </m:r>
+                                </m:sup>
+                                <m:e>
+                                  <m:r>
+                                    <a:rPr lang="en-US" altLang="zh-TW" sz="1600" i="1">
+                                      <a:latin typeface="Cambria Math" panose="02040503050406030204" pitchFamily="18" charset="0"/>
+                                    </a:rPr>
+                                    <m:t>1</m:t>
+                                  </m:r>
+                                  <m:r>
+                                    <a:rPr lang="zh-TW" altLang="en-US" sz="1600" i="1">
+                                      <a:latin typeface="Cambria Math" panose="02040503050406030204" pitchFamily="18" charset="0"/>
+                                    </a:rPr>
+                                    <m:t> </m:t>
+                                  </m:r>
+                                  <m:r>
+                                    <a:rPr lang="en-US" altLang="zh-TW" sz="1600" i="1">
+                                      <a:latin typeface="Cambria Math" panose="02040503050406030204" pitchFamily="18" charset="0"/>
+                                    </a:rPr>
+                                    <m:t>𝑑𝐹</m:t>
+                                  </m:r>
+                                  <m:r>
+                                    <a:rPr lang="en-US" altLang="zh-TW" sz="1600" i="1">
+                                      <a:latin typeface="Cambria Math" panose="02040503050406030204" pitchFamily="18" charset="0"/>
+                                    </a:rPr>
+                                    <m:t>=0.6</m:t>
+                                  </m:r>
+                                </m:e>
+                              </m:nary>
+                            </m:e>
+                          </m:nary>
+                        </m:e>
+                      </m:nary>
+                    </m:oMath>
+                  </m:oMathPara>
+                </a14:m>
+                <a:endParaRPr kumimoji="1" lang="en-US" altLang="zh-TW" sz="1600" dirty="0"/>
+              </a:p>
+              <a:p>
+                <a:endParaRPr kumimoji="1" lang="en-US" altLang="zh-TW" sz="1600" dirty="0"/>
+              </a:p>
+              <a:p>
+                <a:pPr/>
+                <a14:m>
+                  <m:oMathPara xmlns:m="http://schemas.openxmlformats.org/officeDocument/2006/math">
+                    <m:oMathParaPr>
+                      <m:jc m:val="centerGroup"/>
+                    </m:oMathParaPr>
+                    <m:oMath xmlns:m="http://schemas.openxmlformats.org/officeDocument/2006/math">
+                      <m:r>
+                        <a:rPr kumimoji="1" lang="en-US" altLang="zh-TW" sz="1600" b="0" i="1" smtClean="0">
+                          <a:latin typeface="Cambria Math" panose="02040503050406030204" pitchFamily="18" charset="0"/>
+                        </a:rPr>
+                        <m:t>𝑠</m:t>
+                      </m:r>
+                      <m:d>
+                        <m:dPr>
+                          <m:begChr m:val="["/>
+                          <m:endChr m:val="]"/>
+                          <m:ctrlPr>
+                            <a:rPr kumimoji="1" lang="en-US" altLang="zh-TW" sz="1600" b="0" i="1" smtClean="0">
+                              <a:latin typeface="Cambria Math" panose="02040503050406030204" pitchFamily="18" charset="0"/>
+                            </a:rPr>
+                          </m:ctrlPr>
+                        </m:dPr>
+                        <m:e>
+                          <m:r>
+                            <a:rPr kumimoji="1" lang="en-US" altLang="zh-TW" sz="1600" b="0" i="1" smtClean="0">
+                              <a:latin typeface="Cambria Math" panose="02040503050406030204" pitchFamily="18" charset="0"/>
+                            </a:rPr>
+                            <m:t>𝑛</m:t>
+                          </m:r>
+                        </m:e>
+                      </m:d>
+                      <m:r>
+                        <a:rPr kumimoji="1" lang="en-US" altLang="zh-TW" sz="1600" b="0" i="1" smtClean="0">
+                          <a:latin typeface="Cambria Math" panose="02040503050406030204" pitchFamily="18" charset="0"/>
+                        </a:rPr>
+                        <m:t>=2</m:t>
+                      </m:r>
+                      <m:nary>
+                        <m:naryPr>
+                          <m:ctrlPr>
+                            <a:rPr lang="en-US" altLang="zh-TW" sz="1600" i="1" smtClean="0">
+                              <a:latin typeface="Cambria Math" panose="02040503050406030204" pitchFamily="18" charset="0"/>
+                            </a:rPr>
+                          </m:ctrlPr>
+                        </m:naryPr>
+                        <m:sub>
+                          <m:r>
+                            <m:rPr>
+                              <m:brk m:alnAt="23"/>
+                            </m:rPr>
+                            <a:rPr lang="en-US" altLang="zh-TW" sz="1600" i="1">
+                              <a:latin typeface="Cambria Math" panose="02040503050406030204" pitchFamily="18" charset="0"/>
+                            </a:rPr>
+                            <m:t>−</m:t>
+                          </m:r>
+                          <m:f>
+                            <m:fPr>
+                              <m:ctrlPr>
+                                <a:rPr lang="en-US" altLang="zh-TW" sz="1600" i="1">
+                                  <a:latin typeface="Cambria Math" panose="02040503050406030204" pitchFamily="18" charset="0"/>
+                                </a:rPr>
+                              </m:ctrlPr>
+                            </m:fPr>
+                            <m:num>
+                              <m:r>
+                                <a:rPr lang="en-US" altLang="zh-TW" sz="1600" i="1">
+                                  <a:latin typeface="Cambria Math" panose="02040503050406030204" pitchFamily="18" charset="0"/>
+                                </a:rPr>
+                                <m:t>1</m:t>
+                              </m:r>
+                            </m:num>
+                            <m:den>
+                              <m:r>
+                                <a:rPr lang="en-US" altLang="zh-TW" sz="1600" i="1">
+                                  <a:latin typeface="Cambria Math" panose="02040503050406030204" pitchFamily="18" charset="0"/>
+                                </a:rPr>
+                                <m:t>2</m:t>
+                              </m:r>
+                            </m:den>
+                          </m:f>
+                        </m:sub>
+                        <m:sup>
+                          <m:f>
+                            <m:fPr>
+                              <m:ctrlPr>
+                                <a:rPr lang="en-US" altLang="zh-TW" sz="1600" i="1">
+                                  <a:latin typeface="Cambria Math" panose="02040503050406030204" pitchFamily="18" charset="0"/>
+                                </a:rPr>
+                              </m:ctrlPr>
+                            </m:fPr>
+                            <m:num>
+                              <m:r>
+                                <a:rPr lang="en-US" altLang="zh-TW" sz="1600" i="1">
+                                  <a:latin typeface="Cambria Math" panose="02040503050406030204" pitchFamily="18" charset="0"/>
+                                </a:rPr>
+                                <m:t>1</m:t>
+                              </m:r>
+                            </m:num>
+                            <m:den>
+                              <m:r>
+                                <a:rPr lang="en-US" altLang="zh-TW" sz="1600" i="1">
+                                  <a:latin typeface="Cambria Math" panose="02040503050406030204" pitchFamily="18" charset="0"/>
+                                </a:rPr>
+                                <m:t>2</m:t>
+                              </m:r>
+                            </m:den>
+                          </m:f>
+                        </m:sup>
+                        <m:e>
+                          <m:func>
+                            <m:funcPr>
+                              <m:ctrlPr>
+                                <a:rPr lang="en-US" altLang="zh-TW" sz="1600" b="0" i="1" smtClean="0">
+                                  <a:latin typeface="Cambria Math" panose="02040503050406030204" pitchFamily="18" charset="0"/>
+                                </a:rPr>
+                              </m:ctrlPr>
+                            </m:funcPr>
+                            <m:fName>
+                              <m:r>
+                                <m:rPr>
+                                  <m:sty m:val="p"/>
+                                </m:rPr>
+                                <a:rPr lang="en-US" altLang="zh-TW" sz="1600" b="0" i="0" smtClean="0">
+                                  <a:latin typeface="Cambria Math" panose="02040503050406030204" pitchFamily="18" charset="0"/>
+                                </a:rPr>
+                                <m:t>cos</m:t>
+                              </m:r>
+                            </m:fName>
+                            <m:e>
+                              <m:d>
+                                <m:dPr>
+                                  <m:ctrlPr>
+                                    <a:rPr lang="en-US" altLang="zh-TW" sz="1600" b="0" i="1" smtClean="0">
+                                      <a:latin typeface="Cambria Math" panose="02040503050406030204" pitchFamily="18" charset="0"/>
+                                    </a:rPr>
+                                  </m:ctrlPr>
+                                </m:dPr>
+                                <m:e>
+                                  <m:r>
+                                    <a:rPr lang="en-US" altLang="zh-TW" sz="1600" b="0" i="1" smtClean="0">
+                                      <a:latin typeface="Cambria Math" panose="02040503050406030204" pitchFamily="18" charset="0"/>
+                                    </a:rPr>
+                                    <m:t>2</m:t>
+                                  </m:r>
+                                  <m:r>
+                                    <a:rPr lang="en-US" altLang="zh-TW" sz="1600" b="0" i="1" smtClean="0">
+                                      <a:latin typeface="Cambria Math" panose="02040503050406030204" pitchFamily="18" charset="0"/>
+                                      <a:ea typeface="Cambria Math" panose="02040503050406030204" pitchFamily="18" charset="0"/>
+                                    </a:rPr>
+                                    <m:t>𝜋</m:t>
+                                  </m:r>
+                                  <m:r>
+                                    <a:rPr lang="en-US" altLang="zh-TW" sz="1600" b="0" i="1" smtClean="0">
+                                      <a:latin typeface="Cambria Math" panose="02040503050406030204" pitchFamily="18" charset="0"/>
+                                      <a:ea typeface="Cambria Math" panose="02040503050406030204" pitchFamily="18" charset="0"/>
+                                    </a:rPr>
+                                    <m:t>𝑛𝐹</m:t>
+                                  </m:r>
+                                </m:e>
+                              </m:d>
+                            </m:e>
+                          </m:func>
+                          <m:sSub>
+                            <m:sSubPr>
+                              <m:ctrlPr>
+                                <a:rPr lang="en-US" altLang="zh-TW" sz="1600" b="0" i="1" smtClean="0">
+                                  <a:latin typeface="Cambria Math" panose="02040503050406030204" pitchFamily="18" charset="0"/>
+                                  <a:ea typeface="Cambria Math" panose="02040503050406030204" pitchFamily="18" charset="0"/>
+                                </a:rPr>
+                              </m:ctrlPr>
+                            </m:sSubPr>
+                            <m:e>
+                              <m:r>
+                                <a:rPr lang="en-US" altLang="zh-TW" sz="1600" b="0" i="1" smtClean="0">
+                                  <a:latin typeface="Cambria Math" panose="02040503050406030204" pitchFamily="18" charset="0"/>
+                                  <a:ea typeface="Cambria Math" panose="02040503050406030204" pitchFamily="18" charset="0"/>
+                                </a:rPr>
+                                <m:t>𝐻</m:t>
+                              </m:r>
+                            </m:e>
+                            <m:sub>
+                              <m:r>
+                                <a:rPr lang="en-US" altLang="zh-TW" sz="1600" b="0" i="1" smtClean="0">
+                                  <a:latin typeface="Cambria Math" panose="02040503050406030204" pitchFamily="18" charset="0"/>
+                                  <a:ea typeface="Cambria Math" panose="02040503050406030204" pitchFamily="18" charset="0"/>
+                                </a:rPr>
+                                <m:t>𝑑</m:t>
+                              </m:r>
+                            </m:sub>
+                          </m:sSub>
+                          <m:d>
+                            <m:dPr>
+                              <m:ctrlPr>
+                                <a:rPr lang="en-US" altLang="zh-TW" sz="1600" b="0" i="1" smtClean="0">
+                                  <a:latin typeface="Cambria Math" panose="02040503050406030204" pitchFamily="18" charset="0"/>
+                                  <a:ea typeface="Cambria Math" panose="02040503050406030204" pitchFamily="18" charset="0"/>
+                                </a:rPr>
+                              </m:ctrlPr>
+                            </m:dPr>
+                            <m:e>
+                              <m:r>
+                                <a:rPr lang="en-US" altLang="zh-TW" sz="1600" b="0" i="1" smtClean="0">
+                                  <a:latin typeface="Cambria Math" panose="02040503050406030204" pitchFamily="18" charset="0"/>
+                                  <a:ea typeface="Cambria Math" panose="02040503050406030204" pitchFamily="18" charset="0"/>
+                                </a:rPr>
+                                <m:t>𝐹</m:t>
+                              </m:r>
+                            </m:e>
+                          </m:d>
+                          <m:r>
+                            <a:rPr lang="en-US" altLang="zh-TW" sz="1600" b="0" i="1" smtClean="0">
+                              <a:latin typeface="Cambria Math" panose="02040503050406030204" pitchFamily="18" charset="0"/>
+                              <a:ea typeface="Cambria Math" panose="02040503050406030204" pitchFamily="18" charset="0"/>
+                            </a:rPr>
+                            <m:t>𝑑𝐹</m:t>
+                          </m:r>
+                          <m:r>
+                            <a:rPr lang="zh-TW" altLang="en-US" sz="1600" i="1">
+                              <a:latin typeface="Cambria Math" panose="02040503050406030204" pitchFamily="18" charset="0"/>
+                              <a:ea typeface="Cambria Math" panose="02040503050406030204" pitchFamily="18" charset="0"/>
+                            </a:rPr>
+                            <m:t>＝</m:t>
+                          </m:r>
+                          <m:r>
+                            <a:rPr lang="en-US" altLang="zh-TW" sz="1600" b="0" i="1" smtClean="0">
+                              <a:latin typeface="Cambria Math" panose="02040503050406030204" pitchFamily="18" charset="0"/>
+                              <a:ea typeface="Cambria Math" panose="02040503050406030204" pitchFamily="18" charset="0"/>
+                            </a:rPr>
+                            <m:t>2</m:t>
+                          </m:r>
+                          <m:nary>
+                            <m:naryPr>
+                              <m:ctrlPr>
+                                <a:rPr lang="en-US" altLang="zh-TW" sz="1600" b="0" i="1" smtClean="0">
+                                  <a:latin typeface="Cambria Math" panose="02040503050406030204" pitchFamily="18" charset="0"/>
+                                  <a:ea typeface="Cambria Math" panose="02040503050406030204" pitchFamily="18" charset="0"/>
+                                </a:rPr>
+                              </m:ctrlPr>
+                            </m:naryPr>
+                            <m:sub>
+                              <m:r>
+                                <m:rPr>
+                                  <m:brk m:alnAt="23"/>
+                                </m:rPr>
+                                <a:rPr lang="en-US" altLang="zh-TW" sz="1600" b="0" i="1" smtClean="0">
+                                  <a:latin typeface="Cambria Math" panose="02040503050406030204" pitchFamily="18" charset="0"/>
+                                  <a:ea typeface="Cambria Math" panose="02040503050406030204" pitchFamily="18" charset="0"/>
+                                </a:rPr>
+                                <m:t>−</m:t>
+                              </m:r>
+                              <m:r>
+                                <a:rPr lang="en-US" altLang="zh-TW" sz="1600" b="0" i="1" smtClean="0">
+                                  <a:latin typeface="Cambria Math" panose="02040503050406030204" pitchFamily="18" charset="0"/>
+                                  <a:ea typeface="Cambria Math" panose="02040503050406030204" pitchFamily="18" charset="0"/>
+                                </a:rPr>
+                                <m:t>0.4</m:t>
+                              </m:r>
+                            </m:sub>
+                            <m:sup>
+                              <m:r>
+                                <a:rPr lang="en-US" altLang="zh-TW" sz="1600" b="0" i="1" smtClean="0">
+                                  <a:latin typeface="Cambria Math" panose="02040503050406030204" pitchFamily="18" charset="0"/>
+                                  <a:ea typeface="Cambria Math" panose="02040503050406030204" pitchFamily="18" charset="0"/>
+                                </a:rPr>
+                                <m:t>−0.1</m:t>
+                              </m:r>
+                            </m:sup>
+                            <m:e>
+                              <m:func>
+                                <m:funcPr>
+                                  <m:ctrlPr>
+                                    <a:rPr lang="en-US" altLang="zh-TW" sz="1600" b="0" i="1" smtClean="0">
+                                      <a:latin typeface="Cambria Math" panose="02040503050406030204" pitchFamily="18" charset="0"/>
+                                      <a:ea typeface="Cambria Math" panose="02040503050406030204" pitchFamily="18" charset="0"/>
+                                    </a:rPr>
+                                  </m:ctrlPr>
+                                </m:funcPr>
+                                <m:fName>
+                                  <m:r>
+                                    <m:rPr>
+                                      <m:sty m:val="p"/>
+                                    </m:rPr>
+                                    <a:rPr lang="en-US" altLang="zh-TW" sz="1600" b="0" i="0" smtClean="0">
+                                      <a:latin typeface="Cambria Math" panose="02040503050406030204" pitchFamily="18" charset="0"/>
+                                      <a:ea typeface="Cambria Math" panose="02040503050406030204" pitchFamily="18" charset="0"/>
+                                    </a:rPr>
+                                    <m:t>cos</m:t>
+                                  </m:r>
+                                </m:fName>
+                                <m:e>
+                                  <m:d>
+                                    <m:dPr>
+                                      <m:ctrlPr>
+                                        <a:rPr lang="en-US" altLang="zh-TW" sz="1600" b="0" i="1" smtClean="0">
+                                          <a:latin typeface="Cambria Math" panose="02040503050406030204" pitchFamily="18" charset="0"/>
+                                          <a:ea typeface="Cambria Math" panose="02040503050406030204" pitchFamily="18" charset="0"/>
+                                        </a:rPr>
+                                      </m:ctrlPr>
+                                    </m:dPr>
+                                    <m:e>
+                                      <m:r>
+                                        <a:rPr lang="en-US" altLang="zh-TW" sz="1600" b="0" i="1" smtClean="0">
+                                          <a:latin typeface="Cambria Math" panose="02040503050406030204" pitchFamily="18" charset="0"/>
+                                          <a:ea typeface="Cambria Math" panose="02040503050406030204" pitchFamily="18" charset="0"/>
+                                        </a:rPr>
+                                        <m:t>2</m:t>
+                                      </m:r>
+                                      <m:r>
+                                        <a:rPr lang="en-US" altLang="zh-TW" sz="1600" b="0" i="1" smtClean="0">
+                                          <a:latin typeface="Cambria Math" panose="02040503050406030204" pitchFamily="18" charset="0"/>
+                                          <a:ea typeface="Cambria Math" panose="02040503050406030204" pitchFamily="18" charset="0"/>
+                                        </a:rPr>
+                                        <m:t>𝜋</m:t>
+                                      </m:r>
+                                      <m:r>
+                                        <a:rPr lang="en-US" altLang="zh-TW" sz="1600" b="0" i="1" smtClean="0">
+                                          <a:latin typeface="Cambria Math" panose="02040503050406030204" pitchFamily="18" charset="0"/>
+                                          <a:ea typeface="Cambria Math" panose="02040503050406030204" pitchFamily="18" charset="0"/>
+                                        </a:rPr>
+                                        <m:t>𝑛𝐹</m:t>
+                                      </m:r>
+                                    </m:e>
+                                  </m:d>
+                                </m:e>
+                              </m:func>
+                              <m:r>
+                                <a:rPr lang="en-US" altLang="zh-TW" sz="1600" b="0" i="1" smtClean="0">
+                                  <a:latin typeface="Cambria Math" panose="02040503050406030204" pitchFamily="18" charset="0"/>
+                                  <a:ea typeface="Cambria Math" panose="02040503050406030204" pitchFamily="18" charset="0"/>
+                                </a:rPr>
+                                <m:t>𝑑𝐹</m:t>
+                              </m:r>
+                              <m:r>
+                                <a:rPr lang="en-US" altLang="zh-TW" sz="1600" b="0" i="1" smtClean="0">
+                                  <a:latin typeface="Cambria Math" panose="02040503050406030204" pitchFamily="18" charset="0"/>
+                                  <a:ea typeface="Cambria Math" panose="02040503050406030204" pitchFamily="18" charset="0"/>
+                                </a:rPr>
+                                <m:t>+2</m:t>
+                              </m:r>
+                              <m:nary>
+                                <m:naryPr>
+                                  <m:ctrlPr>
+                                    <a:rPr lang="en-US" altLang="zh-TW" sz="1600" b="0" i="1" smtClean="0">
+                                      <a:latin typeface="Cambria Math" panose="02040503050406030204" pitchFamily="18" charset="0"/>
+                                      <a:ea typeface="Cambria Math" panose="02040503050406030204" pitchFamily="18" charset="0"/>
+                                    </a:rPr>
+                                  </m:ctrlPr>
+                                </m:naryPr>
+                                <m:sub>
+                                  <m:r>
+                                    <m:rPr>
+                                      <m:brk m:alnAt="23"/>
+                                    </m:rPr>
+                                    <a:rPr lang="en-US" altLang="zh-TW" sz="1600" b="0" i="1" smtClean="0">
+                                      <a:latin typeface="Cambria Math" panose="02040503050406030204" pitchFamily="18" charset="0"/>
+                                      <a:ea typeface="Cambria Math" panose="02040503050406030204" pitchFamily="18" charset="0"/>
+                                    </a:rPr>
+                                    <m:t>0</m:t>
+                                  </m:r>
+                                  <m:r>
+                                    <a:rPr lang="en-US" altLang="zh-TW" sz="1600" b="0" i="1" smtClean="0">
+                                      <a:latin typeface="Cambria Math" panose="02040503050406030204" pitchFamily="18" charset="0"/>
+                                      <a:ea typeface="Cambria Math" panose="02040503050406030204" pitchFamily="18" charset="0"/>
+                                    </a:rPr>
+                                    <m:t>.1</m:t>
+                                  </m:r>
+                                </m:sub>
+                                <m:sup>
+                                  <m:r>
+                                    <a:rPr lang="en-US" altLang="zh-TW" sz="1600" b="0" i="1" smtClean="0">
+                                      <a:latin typeface="Cambria Math" panose="02040503050406030204" pitchFamily="18" charset="0"/>
+                                      <a:ea typeface="Cambria Math" panose="02040503050406030204" pitchFamily="18" charset="0"/>
+                                    </a:rPr>
+                                    <m:t>0.4</m:t>
+                                  </m:r>
+                                </m:sup>
+                                <m:e>
+                                  <m:func>
+                                    <m:funcPr>
+                                      <m:ctrlPr>
+                                        <a:rPr lang="en-US" altLang="zh-TW" sz="1600" b="0" i="1" smtClean="0">
+                                          <a:latin typeface="Cambria Math" panose="02040503050406030204" pitchFamily="18" charset="0"/>
+                                          <a:ea typeface="Cambria Math" panose="02040503050406030204" pitchFamily="18" charset="0"/>
+                                        </a:rPr>
+                                      </m:ctrlPr>
+                                    </m:funcPr>
+                                    <m:fName>
+                                      <m:r>
+                                        <m:rPr>
+                                          <m:sty m:val="p"/>
+                                        </m:rPr>
+                                        <a:rPr lang="en-US" altLang="zh-TW" sz="1600" b="0" i="0" smtClean="0">
+                                          <a:latin typeface="Cambria Math" panose="02040503050406030204" pitchFamily="18" charset="0"/>
+                                          <a:ea typeface="Cambria Math" panose="02040503050406030204" pitchFamily="18" charset="0"/>
+                                        </a:rPr>
+                                        <m:t>cos</m:t>
+                                      </m:r>
+                                    </m:fName>
+                                    <m:e>
+                                      <m:d>
+                                        <m:dPr>
+                                          <m:ctrlPr>
+                                            <a:rPr lang="en-US" altLang="zh-TW" sz="1600" b="0" i="1" smtClean="0">
+                                              <a:latin typeface="Cambria Math" panose="02040503050406030204" pitchFamily="18" charset="0"/>
+                                              <a:ea typeface="Cambria Math" panose="02040503050406030204" pitchFamily="18" charset="0"/>
+                                            </a:rPr>
+                                          </m:ctrlPr>
+                                        </m:dPr>
+                                        <m:e>
+                                          <m:r>
+                                            <a:rPr lang="en-US" altLang="zh-TW" sz="1600" b="0" i="1" smtClean="0">
+                                              <a:latin typeface="Cambria Math" panose="02040503050406030204" pitchFamily="18" charset="0"/>
+                                              <a:ea typeface="Cambria Math" panose="02040503050406030204" pitchFamily="18" charset="0"/>
+                                            </a:rPr>
+                                            <m:t>2</m:t>
+                                          </m:r>
+                                          <m:r>
+                                            <a:rPr lang="en-US" altLang="zh-TW" sz="1600" b="0" i="1" smtClean="0">
+                                              <a:latin typeface="Cambria Math" panose="02040503050406030204" pitchFamily="18" charset="0"/>
+                                              <a:ea typeface="Cambria Math" panose="02040503050406030204" pitchFamily="18" charset="0"/>
+                                            </a:rPr>
+                                            <m:t>𝜋</m:t>
+                                          </m:r>
+                                          <m:r>
+                                            <a:rPr lang="en-US" altLang="zh-TW" sz="1600" b="0" i="1" smtClean="0">
+                                              <a:latin typeface="Cambria Math" panose="02040503050406030204" pitchFamily="18" charset="0"/>
+                                              <a:ea typeface="Cambria Math" panose="02040503050406030204" pitchFamily="18" charset="0"/>
+                                            </a:rPr>
+                                            <m:t>𝑛𝐹</m:t>
+                                          </m:r>
+                                        </m:e>
+                                      </m:d>
+                                    </m:e>
+                                  </m:func>
+                                  <m:r>
+                                    <a:rPr lang="en-US" altLang="zh-TW" sz="1600" b="0" i="1" smtClean="0">
+                                      <a:latin typeface="Cambria Math" panose="02040503050406030204" pitchFamily="18" charset="0"/>
+                                      <a:ea typeface="Cambria Math" panose="02040503050406030204" pitchFamily="18" charset="0"/>
+                                    </a:rPr>
+                                    <m:t>𝑑𝐹</m:t>
+                                  </m:r>
+                                </m:e>
+                              </m:nary>
+                            </m:e>
+                          </m:nary>
+                        </m:e>
+                      </m:nary>
+                    </m:oMath>
+                  </m:oMathPara>
+                </a14:m>
+                <a:endParaRPr kumimoji="1" lang="en-US" altLang="zh-TW" sz="1600" dirty="0"/>
+              </a:p>
+              <a:p>
+                <a:pPr/>
+                <a14:m>
+                  <m:oMathPara xmlns:m="http://schemas.openxmlformats.org/officeDocument/2006/math">
+                    <m:oMathParaPr>
+                      <m:jc m:val="centerGroup"/>
+                    </m:oMathParaPr>
+                    <m:oMath xmlns:m="http://schemas.openxmlformats.org/officeDocument/2006/math">
+                      <m:r>
+                        <a:rPr kumimoji="1" lang="en-US" altLang="zh-TW" sz="1600" b="0" i="1" smtClean="0">
+                          <a:latin typeface="Cambria Math" panose="02040503050406030204" pitchFamily="18" charset="0"/>
+                        </a:rPr>
+                        <m:t>=</m:t>
+                      </m:r>
+                      <m:f>
+                        <m:fPr>
+                          <m:ctrlPr>
+                            <a:rPr kumimoji="1" lang="en-US" altLang="zh-TW" sz="1600" b="0" i="1" smtClean="0">
+                              <a:latin typeface="Cambria Math" panose="02040503050406030204" pitchFamily="18" charset="0"/>
+                            </a:rPr>
+                          </m:ctrlPr>
+                        </m:fPr>
+                        <m:num>
+                          <m:func>
+                            <m:funcPr>
+                              <m:ctrlPr>
+                                <a:rPr lang="en-US" altLang="zh-TW" sz="1600" i="1">
+                                  <a:latin typeface="Cambria Math" panose="02040503050406030204" pitchFamily="18" charset="0"/>
+                                </a:rPr>
+                              </m:ctrlPr>
+                            </m:funcPr>
+                            <m:fName>
+                              <m:r>
+                                <m:rPr>
+                                  <m:sty m:val="p"/>
+                                </m:rPr>
+                                <a:rPr lang="en-US" altLang="zh-TW" sz="1600">
+                                  <a:latin typeface="Cambria Math" panose="02040503050406030204" pitchFamily="18" charset="0"/>
+                                </a:rPr>
+                                <m:t>sin</m:t>
+                              </m:r>
+                            </m:fName>
+                            <m:e>
+                              <m:d>
+                                <m:dPr>
+                                  <m:ctrlPr>
+                                    <a:rPr lang="en-US" altLang="zh-TW" sz="1600" i="1">
+                                      <a:latin typeface="Cambria Math" panose="02040503050406030204" pitchFamily="18" charset="0"/>
+                                    </a:rPr>
+                                  </m:ctrlPr>
+                                </m:dPr>
+                                <m:e>
+                                  <m:r>
+                                    <a:rPr lang="en-US" altLang="zh-TW" sz="1600" b="0" i="1" smtClean="0">
+                                      <a:latin typeface="Cambria Math" panose="02040503050406030204" pitchFamily="18" charset="0"/>
+                                    </a:rPr>
+                                    <m:t>−0.</m:t>
+                                  </m:r>
+                                  <m:r>
+                                    <a:rPr lang="en-US" altLang="zh-TW" sz="1600" i="1">
+                                      <a:latin typeface="Cambria Math" panose="02040503050406030204" pitchFamily="18" charset="0"/>
+                                    </a:rPr>
+                                    <m:t>2</m:t>
+                                  </m:r>
+                                  <m:r>
+                                    <a:rPr lang="en-US" altLang="zh-TW" sz="1600" i="1">
+                                      <a:latin typeface="Cambria Math" panose="02040503050406030204" pitchFamily="18" charset="0"/>
+                                      <a:ea typeface="Cambria Math" panose="02040503050406030204" pitchFamily="18" charset="0"/>
+                                    </a:rPr>
+                                    <m:t>𝜋</m:t>
+                                  </m:r>
+                                  <m:r>
+                                    <a:rPr lang="en-US" altLang="zh-TW" sz="1600" i="1">
+                                      <a:latin typeface="Cambria Math" panose="02040503050406030204" pitchFamily="18" charset="0"/>
+                                      <a:ea typeface="Cambria Math" panose="02040503050406030204" pitchFamily="18" charset="0"/>
+                                    </a:rPr>
+                                    <m:t>𝑛</m:t>
+                                  </m:r>
+                                </m:e>
+                              </m:d>
+                            </m:e>
+                          </m:func>
+                          <m:r>
+                            <a:rPr lang="en-US" altLang="zh-TW" sz="1600" b="0" i="1" smtClean="0">
+                              <a:latin typeface="Cambria Math" panose="02040503050406030204" pitchFamily="18" charset="0"/>
+                              <a:ea typeface="Cambria Math" panose="02040503050406030204" pitchFamily="18" charset="0"/>
+                            </a:rPr>
+                            <m:t>−</m:t>
+                          </m:r>
+                          <m:func>
+                            <m:funcPr>
+                              <m:ctrlPr>
+                                <a:rPr lang="en-US" altLang="zh-TW" sz="1600" i="1">
+                                  <a:latin typeface="Cambria Math" panose="02040503050406030204" pitchFamily="18" charset="0"/>
+                                </a:rPr>
+                              </m:ctrlPr>
+                            </m:funcPr>
+                            <m:fName>
+                              <m:r>
+                                <m:rPr>
+                                  <m:sty m:val="p"/>
+                                </m:rPr>
+                                <a:rPr lang="en-US" altLang="zh-TW" sz="1600">
+                                  <a:latin typeface="Cambria Math" panose="02040503050406030204" pitchFamily="18" charset="0"/>
+                                </a:rPr>
+                                <m:t>sin</m:t>
+                              </m:r>
+                            </m:fName>
+                            <m:e>
+                              <m:d>
+                                <m:dPr>
+                                  <m:ctrlPr>
+                                    <a:rPr lang="en-US" altLang="zh-TW" sz="1600" i="1">
+                                      <a:latin typeface="Cambria Math" panose="02040503050406030204" pitchFamily="18" charset="0"/>
+                                    </a:rPr>
+                                  </m:ctrlPr>
+                                </m:dPr>
+                                <m:e>
+                                  <m:r>
+                                    <a:rPr lang="en-US" altLang="zh-TW" sz="1600" b="0" i="1" smtClean="0">
+                                      <a:latin typeface="Cambria Math" panose="02040503050406030204" pitchFamily="18" charset="0"/>
+                                    </a:rPr>
+                                    <m:t>−0.8</m:t>
+                                  </m:r>
+                                  <m:r>
+                                    <a:rPr lang="en-US" altLang="zh-TW" sz="1600" i="1">
+                                      <a:latin typeface="Cambria Math" panose="02040503050406030204" pitchFamily="18" charset="0"/>
+                                      <a:ea typeface="Cambria Math" panose="02040503050406030204" pitchFamily="18" charset="0"/>
+                                    </a:rPr>
+                                    <m:t>𝜋</m:t>
+                                  </m:r>
+                                  <m:r>
+                                    <a:rPr lang="en-US" altLang="zh-TW" sz="1600" i="1">
+                                      <a:latin typeface="Cambria Math" panose="02040503050406030204" pitchFamily="18" charset="0"/>
+                                      <a:ea typeface="Cambria Math" panose="02040503050406030204" pitchFamily="18" charset="0"/>
+                                    </a:rPr>
+                                    <m:t>𝑛</m:t>
+                                  </m:r>
+                                </m:e>
+                              </m:d>
+                            </m:e>
+                          </m:func>
+                        </m:num>
+                        <m:den>
+                          <m:r>
+                            <a:rPr kumimoji="1" lang="en-US" altLang="zh-TW" sz="1600" b="0" i="1" smtClean="0">
+                              <a:latin typeface="Cambria Math" panose="02040503050406030204" pitchFamily="18" charset="0"/>
+                              <a:ea typeface="Cambria Math" panose="02040503050406030204" pitchFamily="18" charset="0"/>
+                            </a:rPr>
+                            <m:t>𝜋</m:t>
+                          </m:r>
+                          <m:r>
+                            <a:rPr kumimoji="1" lang="en-US" altLang="zh-TW" sz="1600" b="0" i="1" smtClean="0">
+                              <a:latin typeface="Cambria Math" panose="02040503050406030204" pitchFamily="18" charset="0"/>
+                              <a:ea typeface="Cambria Math" panose="02040503050406030204" pitchFamily="18" charset="0"/>
+                            </a:rPr>
+                            <m:t>𝑛</m:t>
+                          </m:r>
+                        </m:den>
+                      </m:f>
+                      <m:r>
+                        <a:rPr kumimoji="1" lang="en-US" altLang="zh-TW" sz="1600" b="0" i="1" smtClean="0">
+                          <a:latin typeface="Cambria Math" panose="02040503050406030204" pitchFamily="18" charset="0"/>
+                        </a:rPr>
+                        <m:t>+</m:t>
+                      </m:r>
+                      <m:f>
+                        <m:fPr>
+                          <m:ctrlPr>
+                            <a:rPr lang="en-US" altLang="zh-TW" sz="1600" i="1">
+                              <a:latin typeface="Cambria Math" panose="02040503050406030204" pitchFamily="18" charset="0"/>
+                            </a:rPr>
+                          </m:ctrlPr>
+                        </m:fPr>
+                        <m:num>
+                          <m:func>
+                            <m:funcPr>
+                              <m:ctrlPr>
+                                <a:rPr lang="en-US" altLang="zh-TW" sz="1600" i="1">
+                                  <a:latin typeface="Cambria Math" panose="02040503050406030204" pitchFamily="18" charset="0"/>
+                                </a:rPr>
+                              </m:ctrlPr>
+                            </m:funcPr>
+                            <m:fName>
+                              <m:r>
+                                <m:rPr>
+                                  <m:sty m:val="p"/>
+                                </m:rPr>
+                                <a:rPr lang="en-US" altLang="zh-TW" sz="1600">
+                                  <a:latin typeface="Cambria Math" panose="02040503050406030204" pitchFamily="18" charset="0"/>
+                                </a:rPr>
+                                <m:t>sin</m:t>
+                              </m:r>
+                            </m:fName>
+                            <m:e>
+                              <m:d>
+                                <m:dPr>
+                                  <m:ctrlPr>
+                                    <a:rPr lang="en-US" altLang="zh-TW" sz="1600" i="1">
+                                      <a:latin typeface="Cambria Math" panose="02040503050406030204" pitchFamily="18" charset="0"/>
+                                    </a:rPr>
+                                  </m:ctrlPr>
+                                </m:dPr>
+                                <m:e>
+                                  <m:r>
+                                    <a:rPr lang="en-US" altLang="zh-TW" sz="1600" b="0" i="1" smtClean="0">
+                                      <a:latin typeface="Cambria Math" panose="02040503050406030204" pitchFamily="18" charset="0"/>
+                                    </a:rPr>
+                                    <m:t>0.8</m:t>
+                                  </m:r>
+                                  <m:r>
+                                    <a:rPr lang="en-US" altLang="zh-TW" sz="1600" i="1">
+                                      <a:latin typeface="Cambria Math" panose="02040503050406030204" pitchFamily="18" charset="0"/>
+                                      <a:ea typeface="Cambria Math" panose="02040503050406030204" pitchFamily="18" charset="0"/>
+                                    </a:rPr>
+                                    <m:t>𝜋</m:t>
+                                  </m:r>
+                                  <m:r>
+                                    <a:rPr lang="en-US" altLang="zh-TW" sz="1600" i="1">
+                                      <a:latin typeface="Cambria Math" panose="02040503050406030204" pitchFamily="18" charset="0"/>
+                                      <a:ea typeface="Cambria Math" panose="02040503050406030204" pitchFamily="18" charset="0"/>
+                                    </a:rPr>
+                                    <m:t>𝑛</m:t>
+                                  </m:r>
+                                </m:e>
+                              </m:d>
+                            </m:e>
+                          </m:func>
+                          <m:r>
+                            <a:rPr lang="en-US" altLang="zh-TW" sz="1600" i="1">
+                              <a:latin typeface="Cambria Math" panose="02040503050406030204" pitchFamily="18" charset="0"/>
+                              <a:ea typeface="Cambria Math" panose="02040503050406030204" pitchFamily="18" charset="0"/>
+                            </a:rPr>
+                            <m:t>−</m:t>
+                          </m:r>
+                          <m:func>
+                            <m:funcPr>
+                              <m:ctrlPr>
+                                <a:rPr lang="en-US" altLang="zh-TW" sz="1600" i="1">
+                                  <a:latin typeface="Cambria Math" panose="02040503050406030204" pitchFamily="18" charset="0"/>
+                                </a:rPr>
+                              </m:ctrlPr>
+                            </m:funcPr>
+                            <m:fName>
+                              <m:r>
+                                <m:rPr>
+                                  <m:sty m:val="p"/>
+                                </m:rPr>
+                                <a:rPr lang="en-US" altLang="zh-TW" sz="1600">
+                                  <a:latin typeface="Cambria Math" panose="02040503050406030204" pitchFamily="18" charset="0"/>
+                                </a:rPr>
+                                <m:t>sin</m:t>
+                              </m:r>
+                            </m:fName>
+                            <m:e>
+                              <m:d>
+                                <m:dPr>
+                                  <m:ctrlPr>
+                                    <a:rPr lang="en-US" altLang="zh-TW" sz="1600" i="1">
+                                      <a:latin typeface="Cambria Math" panose="02040503050406030204" pitchFamily="18" charset="0"/>
+                                    </a:rPr>
+                                  </m:ctrlPr>
+                                </m:dPr>
+                                <m:e>
+                                  <m:r>
+                                    <a:rPr lang="en-US" altLang="zh-TW" sz="1600" b="0" i="1" smtClean="0">
+                                      <a:latin typeface="Cambria Math" panose="02040503050406030204" pitchFamily="18" charset="0"/>
+                                    </a:rPr>
+                                    <m:t>0.2</m:t>
+                                  </m:r>
+                                  <m:r>
+                                    <a:rPr lang="en-US" altLang="zh-TW" sz="1600" i="1">
+                                      <a:latin typeface="Cambria Math" panose="02040503050406030204" pitchFamily="18" charset="0"/>
+                                      <a:ea typeface="Cambria Math" panose="02040503050406030204" pitchFamily="18" charset="0"/>
+                                    </a:rPr>
+                                    <m:t>𝜋</m:t>
+                                  </m:r>
+                                  <m:r>
+                                    <a:rPr lang="en-US" altLang="zh-TW" sz="1600" i="1">
+                                      <a:latin typeface="Cambria Math" panose="02040503050406030204" pitchFamily="18" charset="0"/>
+                                      <a:ea typeface="Cambria Math" panose="02040503050406030204" pitchFamily="18" charset="0"/>
+                                    </a:rPr>
+                                    <m:t>𝑛</m:t>
+                                  </m:r>
+                                </m:e>
+                              </m:d>
+                            </m:e>
+                          </m:func>
+                        </m:num>
+                        <m:den>
+                          <m:r>
+                            <a:rPr lang="en-US" altLang="zh-TW" sz="1600" i="1">
+                              <a:latin typeface="Cambria Math" panose="02040503050406030204" pitchFamily="18" charset="0"/>
+                              <a:ea typeface="Cambria Math" panose="02040503050406030204" pitchFamily="18" charset="0"/>
+                            </a:rPr>
+                            <m:t>𝜋</m:t>
+                          </m:r>
+                          <m:r>
+                            <a:rPr lang="en-US" altLang="zh-TW" sz="1600" i="1">
+                              <a:latin typeface="Cambria Math" panose="02040503050406030204" pitchFamily="18" charset="0"/>
+                              <a:ea typeface="Cambria Math" panose="02040503050406030204" pitchFamily="18" charset="0"/>
+                            </a:rPr>
+                            <m:t>𝑛</m:t>
+                          </m:r>
+                        </m:den>
+                      </m:f>
+                    </m:oMath>
+                  </m:oMathPara>
+                </a14:m>
+                <a:endParaRPr kumimoji="1" lang="en-US" altLang="zh-TW" sz="1600" dirty="0"/>
+              </a:p>
+              <a:p>
+                <a:pPr/>
+                <a14:m>
+                  <m:oMathPara xmlns:m="http://schemas.openxmlformats.org/officeDocument/2006/math">
+                    <m:oMathParaPr>
+                      <m:jc m:val="centerGroup"/>
+                    </m:oMathParaPr>
+                    <m:oMath xmlns:m="http://schemas.openxmlformats.org/officeDocument/2006/math">
+                      <m:r>
+                        <a:rPr kumimoji="1" lang="en-US" altLang="zh-TW" sz="1600" b="0" i="1" smtClean="0">
+                          <a:latin typeface="Cambria Math" panose="02040503050406030204" pitchFamily="18" charset="0"/>
+                        </a:rPr>
+                        <m:t>h</m:t>
+                      </m:r>
+                      <m:d>
+                        <m:dPr>
+                          <m:begChr m:val="["/>
+                          <m:endChr m:val="]"/>
+                          <m:ctrlPr>
+                            <a:rPr kumimoji="1" lang="en-US" altLang="zh-TW" sz="1600" b="0" i="1" smtClean="0">
+                              <a:latin typeface="Cambria Math" panose="02040503050406030204" pitchFamily="18" charset="0"/>
+                            </a:rPr>
+                          </m:ctrlPr>
+                        </m:dPr>
+                        <m:e>
+                          <m:r>
+                            <a:rPr kumimoji="1" lang="en-US" altLang="zh-TW" sz="1600" b="0" i="1" smtClean="0">
+                              <a:latin typeface="Cambria Math" panose="02040503050406030204" pitchFamily="18" charset="0"/>
+                            </a:rPr>
+                            <m:t>3</m:t>
+                          </m:r>
+                        </m:e>
+                      </m:d>
+                      <m:r>
+                        <a:rPr kumimoji="1" lang="en-US" altLang="zh-TW" sz="1600" b="0" i="1" smtClean="0">
+                          <a:latin typeface="Cambria Math" panose="02040503050406030204" pitchFamily="18" charset="0"/>
+                        </a:rPr>
+                        <m:t>=</m:t>
+                      </m:r>
+                      <m:r>
+                        <a:rPr kumimoji="1" lang="en-US" altLang="zh-TW" sz="1600" b="0" i="1" smtClean="0">
+                          <a:latin typeface="Cambria Math" panose="02040503050406030204" pitchFamily="18" charset="0"/>
+                        </a:rPr>
+                        <m:t>𝑠</m:t>
+                      </m:r>
+                      <m:d>
+                        <m:dPr>
+                          <m:begChr m:val="["/>
+                          <m:endChr m:val="]"/>
+                          <m:ctrlPr>
+                            <a:rPr kumimoji="1" lang="en-US" altLang="zh-TW" sz="1600" b="0" i="1" smtClean="0">
+                              <a:latin typeface="Cambria Math" panose="02040503050406030204" pitchFamily="18" charset="0"/>
+                            </a:rPr>
+                          </m:ctrlPr>
+                        </m:dPr>
+                        <m:e>
+                          <m:r>
+                            <a:rPr kumimoji="1" lang="en-US" altLang="zh-TW" sz="1600" b="0" i="1" smtClean="0">
+                              <a:latin typeface="Cambria Math" panose="02040503050406030204" pitchFamily="18" charset="0"/>
+                            </a:rPr>
+                            <m:t>0</m:t>
+                          </m:r>
+                        </m:e>
+                      </m:d>
+                      <m:r>
+                        <a:rPr kumimoji="1" lang="en-US" altLang="zh-TW" sz="1600" b="0" i="1" smtClean="0">
+                          <a:latin typeface="Cambria Math" panose="02040503050406030204" pitchFamily="18" charset="0"/>
+                        </a:rPr>
+                        <m:t>=0.6</m:t>
+                      </m:r>
+                    </m:oMath>
+                  </m:oMathPara>
+                </a14:m>
+                <a:endParaRPr kumimoji="1" lang="en-US" altLang="zh-TW" sz="1600" b="0" dirty="0"/>
+              </a:p>
+              <a:p>
+                <a:pPr/>
+                <a14:m>
+                  <m:oMathPara xmlns:m="http://schemas.openxmlformats.org/officeDocument/2006/math">
+                    <m:oMathParaPr>
+                      <m:jc m:val="centerGroup"/>
+                    </m:oMathParaPr>
+                    <m:oMath xmlns:m="http://schemas.openxmlformats.org/officeDocument/2006/math">
+                      <m:r>
+                        <a:rPr kumimoji="1" lang="en-US" altLang="zh-TW" sz="1600" b="0" i="1" smtClean="0">
+                          <a:latin typeface="Cambria Math" panose="02040503050406030204" pitchFamily="18" charset="0"/>
+                        </a:rPr>
+                        <m:t>h</m:t>
+                      </m:r>
+                      <m:d>
+                        <m:dPr>
+                          <m:begChr m:val="["/>
+                          <m:endChr m:val="]"/>
+                          <m:ctrlPr>
+                            <a:rPr kumimoji="1" lang="en-US" altLang="zh-TW" sz="1600" b="0" i="1" smtClean="0">
+                              <a:latin typeface="Cambria Math" panose="02040503050406030204" pitchFamily="18" charset="0"/>
+                            </a:rPr>
+                          </m:ctrlPr>
+                        </m:dPr>
+                        <m:e>
+                          <m:r>
+                            <a:rPr kumimoji="1" lang="en-US" altLang="zh-TW" sz="1600" b="0" i="1" smtClean="0">
+                              <a:latin typeface="Cambria Math" panose="02040503050406030204" pitchFamily="18" charset="0"/>
+                            </a:rPr>
+                            <m:t>2</m:t>
+                          </m:r>
+                        </m:e>
+                      </m:d>
+                      <m:r>
+                        <a:rPr kumimoji="1" lang="en-US" altLang="zh-TW" sz="1600" b="0" i="1" smtClean="0">
+                          <a:latin typeface="Cambria Math" panose="02040503050406030204" pitchFamily="18" charset="0"/>
+                        </a:rPr>
+                        <m:t>=</m:t>
+                      </m:r>
+                      <m:r>
+                        <a:rPr kumimoji="1" lang="en-US" altLang="zh-TW" sz="1600" b="0" i="1" smtClean="0">
+                          <a:latin typeface="Cambria Math" panose="02040503050406030204" pitchFamily="18" charset="0"/>
+                        </a:rPr>
+                        <m:t>h</m:t>
+                      </m:r>
+                      <m:d>
+                        <m:dPr>
+                          <m:begChr m:val="["/>
+                          <m:endChr m:val="]"/>
+                          <m:ctrlPr>
+                            <a:rPr kumimoji="1" lang="en-US" altLang="zh-TW" sz="1600" b="0" i="1" smtClean="0">
+                              <a:latin typeface="Cambria Math" panose="02040503050406030204" pitchFamily="18" charset="0"/>
+                            </a:rPr>
+                          </m:ctrlPr>
+                        </m:dPr>
+                        <m:e>
+                          <m:r>
+                            <a:rPr kumimoji="1" lang="en-US" altLang="zh-TW" sz="1600" b="0" i="1" smtClean="0">
+                              <a:latin typeface="Cambria Math" panose="02040503050406030204" pitchFamily="18" charset="0"/>
+                            </a:rPr>
+                            <m:t>4</m:t>
+                          </m:r>
+                        </m:e>
+                      </m:d>
+                      <m:r>
+                        <a:rPr kumimoji="1" lang="en-US" altLang="zh-TW" sz="1600" b="0" i="1" smtClean="0">
+                          <a:latin typeface="Cambria Math" panose="02040503050406030204" pitchFamily="18" charset="0"/>
+                        </a:rPr>
+                        <m:t>=</m:t>
+                      </m:r>
+                      <m:f>
+                        <m:fPr>
+                          <m:ctrlPr>
+                            <a:rPr kumimoji="1" lang="en-US" altLang="zh-TW" sz="1600" b="0" i="1" smtClean="0">
+                              <a:latin typeface="Cambria Math" panose="02040503050406030204" pitchFamily="18" charset="0"/>
+                            </a:rPr>
+                          </m:ctrlPr>
+                        </m:fPr>
+                        <m:num>
+                          <m:r>
+                            <a:rPr kumimoji="1" lang="en-US" altLang="zh-TW" sz="1600" b="0" i="1" smtClean="0">
+                              <a:latin typeface="Cambria Math" panose="02040503050406030204" pitchFamily="18" charset="0"/>
+                            </a:rPr>
+                            <m:t>𝑠</m:t>
+                          </m:r>
+                          <m:r>
+                            <a:rPr kumimoji="1" lang="en-US" altLang="zh-TW" sz="1600" b="0" i="1" smtClean="0">
+                              <a:latin typeface="Cambria Math" panose="02040503050406030204" pitchFamily="18" charset="0"/>
+                            </a:rPr>
+                            <m:t>[1]</m:t>
+                          </m:r>
+                        </m:num>
+                        <m:den>
+                          <m:r>
+                            <a:rPr kumimoji="1" lang="en-US" altLang="zh-TW" sz="1600" b="0" i="1" smtClean="0">
+                              <a:latin typeface="Cambria Math" panose="02040503050406030204" pitchFamily="18" charset="0"/>
+                            </a:rPr>
+                            <m:t>2</m:t>
+                          </m:r>
+                        </m:den>
+                      </m:f>
+                      <m:r>
+                        <a:rPr kumimoji="1" lang="en-US" altLang="zh-TW" sz="1600" b="0" i="1" smtClean="0">
+                          <a:latin typeface="Cambria Math" panose="02040503050406030204" pitchFamily="18" charset="0"/>
+                        </a:rPr>
+                        <m:t>=</m:t>
+                      </m:r>
+                      <m:r>
+                        <a:rPr lang="en-US" altLang="zh-TW" sz="1600" b="0" i="1" smtClean="0">
+                          <a:latin typeface="Cambria Math" panose="02040503050406030204" pitchFamily="18" charset="0"/>
+                          <a:ea typeface="Cambria Math" panose="02040503050406030204" pitchFamily="18" charset="0"/>
+                        </a:rPr>
+                        <m:t>0</m:t>
+                      </m:r>
+                    </m:oMath>
+                  </m:oMathPara>
+                </a14:m>
+                <a:endParaRPr kumimoji="1" lang="en-US" altLang="zh-TW" sz="1600" b="0" dirty="0"/>
+              </a:p>
+              <a:p>
+                <a:pPr/>
+                <a14:m>
+                  <m:oMathPara xmlns:m="http://schemas.openxmlformats.org/officeDocument/2006/math">
+                    <m:oMathParaPr>
+                      <m:jc m:val="centerGroup"/>
+                    </m:oMathParaPr>
+                    <m:oMath xmlns:m="http://schemas.openxmlformats.org/officeDocument/2006/math">
+                      <m:r>
+                        <a:rPr kumimoji="1" lang="en-US" altLang="zh-TW" sz="1600" b="0" i="1" smtClean="0">
+                          <a:latin typeface="Cambria Math" panose="02040503050406030204" pitchFamily="18" charset="0"/>
+                        </a:rPr>
+                        <m:t>h</m:t>
+                      </m:r>
+                      <m:d>
+                        <m:dPr>
+                          <m:begChr m:val="["/>
+                          <m:endChr m:val="]"/>
+                          <m:ctrlPr>
+                            <a:rPr kumimoji="1" lang="en-US" altLang="zh-TW" sz="1600" b="0" i="1" smtClean="0">
+                              <a:latin typeface="Cambria Math" panose="02040503050406030204" pitchFamily="18" charset="0"/>
+                            </a:rPr>
+                          </m:ctrlPr>
+                        </m:dPr>
+                        <m:e>
+                          <m:r>
+                            <a:rPr kumimoji="1" lang="en-US" altLang="zh-TW" sz="1600" b="0" i="1" smtClean="0">
+                              <a:latin typeface="Cambria Math" panose="02040503050406030204" pitchFamily="18" charset="0"/>
+                            </a:rPr>
+                            <m:t>1</m:t>
+                          </m:r>
+                        </m:e>
+                      </m:d>
+                      <m:r>
+                        <a:rPr kumimoji="1" lang="en-US" altLang="zh-TW" sz="1600" b="0" i="1" smtClean="0">
+                          <a:latin typeface="Cambria Math" panose="02040503050406030204" pitchFamily="18" charset="0"/>
+                        </a:rPr>
+                        <m:t>=</m:t>
+                      </m:r>
+                      <m:r>
+                        <a:rPr kumimoji="1" lang="en-US" altLang="zh-TW" sz="1600" b="0" i="1" smtClean="0">
+                          <a:latin typeface="Cambria Math" panose="02040503050406030204" pitchFamily="18" charset="0"/>
+                        </a:rPr>
+                        <m:t>h</m:t>
+                      </m:r>
+                      <m:d>
+                        <m:dPr>
+                          <m:begChr m:val="["/>
+                          <m:endChr m:val="]"/>
+                          <m:ctrlPr>
+                            <a:rPr kumimoji="1" lang="en-US" altLang="zh-TW" sz="1600" b="0" i="1" smtClean="0">
+                              <a:latin typeface="Cambria Math" panose="02040503050406030204" pitchFamily="18" charset="0"/>
+                            </a:rPr>
+                          </m:ctrlPr>
+                        </m:dPr>
+                        <m:e>
+                          <m:r>
+                            <a:rPr kumimoji="1" lang="en-US" altLang="zh-TW" sz="1600" b="0" i="1" smtClean="0">
+                              <a:latin typeface="Cambria Math" panose="02040503050406030204" pitchFamily="18" charset="0"/>
+                            </a:rPr>
+                            <m:t>5</m:t>
+                          </m:r>
+                        </m:e>
+                      </m:d>
+                      <m:r>
+                        <a:rPr kumimoji="1" lang="en-US" altLang="zh-TW" sz="1600" b="0" i="1" smtClean="0">
+                          <a:latin typeface="Cambria Math" panose="02040503050406030204" pitchFamily="18" charset="0"/>
+                        </a:rPr>
+                        <m:t>=</m:t>
+                      </m:r>
+                      <m:f>
+                        <m:fPr>
+                          <m:ctrlPr>
+                            <a:rPr kumimoji="1" lang="en-US" altLang="zh-TW" sz="1600" b="0" i="1" smtClean="0">
+                              <a:latin typeface="Cambria Math" panose="02040503050406030204" pitchFamily="18" charset="0"/>
+                            </a:rPr>
+                          </m:ctrlPr>
+                        </m:fPr>
+                        <m:num>
+                          <m:r>
+                            <a:rPr kumimoji="1" lang="en-US" altLang="zh-TW" sz="1600" b="0" i="1" smtClean="0">
+                              <a:latin typeface="Cambria Math" panose="02040503050406030204" pitchFamily="18" charset="0"/>
+                            </a:rPr>
+                            <m:t>𝑠</m:t>
+                          </m:r>
+                          <m:r>
+                            <a:rPr kumimoji="1" lang="en-US" altLang="zh-TW" sz="1600" b="0" i="1" smtClean="0">
+                              <a:latin typeface="Cambria Math" panose="02040503050406030204" pitchFamily="18" charset="0"/>
+                            </a:rPr>
+                            <m:t>[2]</m:t>
+                          </m:r>
+                        </m:num>
+                        <m:den>
+                          <m:r>
+                            <a:rPr kumimoji="1" lang="en-US" altLang="zh-TW" sz="1600" b="0" i="1" smtClean="0">
+                              <a:latin typeface="Cambria Math" panose="02040503050406030204" pitchFamily="18" charset="0"/>
+                            </a:rPr>
+                            <m:t>2</m:t>
+                          </m:r>
+                        </m:den>
+                      </m:f>
+                      <m:r>
+                        <a:rPr kumimoji="1" lang="en-US" altLang="zh-TW" sz="1600" b="0" i="1" smtClean="0">
+                          <a:latin typeface="Cambria Math" panose="02040503050406030204" pitchFamily="18" charset="0"/>
+                        </a:rPr>
+                        <m:t>=</m:t>
+                      </m:r>
+                      <m:r>
+                        <a:rPr lang="en-US" altLang="zh-TW" sz="1600" b="0" i="1" smtClean="0">
+                          <a:latin typeface="Cambria Math" panose="02040503050406030204" pitchFamily="18" charset="0"/>
+                          <a:ea typeface="Cambria Math" panose="02040503050406030204" pitchFamily="18" charset="0"/>
+                        </a:rPr>
+                        <m:t>−</m:t>
+                      </m:r>
+                      <m:r>
+                        <m:rPr>
+                          <m:nor/>
+                        </m:rPr>
+                        <a:rPr lang="en-US" altLang="zh-TW" sz="1600"/>
+                        <m:t>0.3027</m:t>
+                      </m:r>
+                    </m:oMath>
+                  </m:oMathPara>
+                </a14:m>
+                <a:endParaRPr kumimoji="1" lang="en-US" altLang="zh-TW" sz="1600" b="0" dirty="0"/>
+              </a:p>
+              <a:p>
+                <a:pPr/>
+                <a14:m>
+                  <m:oMathPara xmlns:m="http://schemas.openxmlformats.org/officeDocument/2006/math">
+                    <m:oMathParaPr>
+                      <m:jc m:val="centerGroup"/>
+                    </m:oMathParaPr>
+                    <m:oMath xmlns:m="http://schemas.openxmlformats.org/officeDocument/2006/math">
+                      <m:r>
+                        <a:rPr kumimoji="1" lang="en-US" altLang="zh-TW" sz="1600" b="0" i="1" smtClean="0">
+                          <a:latin typeface="Cambria Math" panose="02040503050406030204" pitchFamily="18" charset="0"/>
+                        </a:rPr>
+                        <m:t>h</m:t>
+                      </m:r>
+                      <m:d>
+                        <m:dPr>
+                          <m:begChr m:val="["/>
+                          <m:endChr m:val="]"/>
+                          <m:ctrlPr>
+                            <a:rPr kumimoji="1" lang="en-US" altLang="zh-TW" sz="1600" b="0" i="1" smtClean="0">
+                              <a:latin typeface="Cambria Math" panose="02040503050406030204" pitchFamily="18" charset="0"/>
+                            </a:rPr>
+                          </m:ctrlPr>
+                        </m:dPr>
+                        <m:e>
+                          <m:r>
+                            <a:rPr kumimoji="1" lang="en-US" altLang="zh-TW" sz="1600" b="0" i="1" smtClean="0">
+                              <a:latin typeface="Cambria Math" panose="02040503050406030204" pitchFamily="18" charset="0"/>
+                            </a:rPr>
+                            <m:t>0</m:t>
+                          </m:r>
+                        </m:e>
+                      </m:d>
+                      <m:r>
+                        <a:rPr kumimoji="1" lang="en-US" altLang="zh-TW" sz="1600" b="0" i="1" smtClean="0">
+                          <a:latin typeface="Cambria Math" panose="02040503050406030204" pitchFamily="18" charset="0"/>
+                        </a:rPr>
+                        <m:t>=</m:t>
+                      </m:r>
+                      <m:r>
+                        <a:rPr kumimoji="1" lang="en-US" altLang="zh-TW" sz="1600" b="0" i="1" smtClean="0">
+                          <a:latin typeface="Cambria Math" panose="02040503050406030204" pitchFamily="18" charset="0"/>
+                        </a:rPr>
+                        <m:t>h</m:t>
+                      </m:r>
+                      <m:d>
+                        <m:dPr>
+                          <m:begChr m:val="["/>
+                          <m:endChr m:val="]"/>
+                          <m:ctrlPr>
+                            <a:rPr kumimoji="1" lang="en-US" altLang="zh-TW" sz="1600" b="0" i="1" smtClean="0">
+                              <a:latin typeface="Cambria Math" panose="02040503050406030204" pitchFamily="18" charset="0"/>
+                            </a:rPr>
+                          </m:ctrlPr>
+                        </m:dPr>
+                        <m:e>
+                          <m:r>
+                            <a:rPr kumimoji="1" lang="en-US" altLang="zh-TW" sz="1600" b="0" i="1" smtClean="0">
+                              <a:latin typeface="Cambria Math" panose="02040503050406030204" pitchFamily="18" charset="0"/>
+                            </a:rPr>
+                            <m:t>6</m:t>
+                          </m:r>
+                        </m:e>
+                      </m:d>
+                      <m:r>
+                        <a:rPr kumimoji="1" lang="en-US" altLang="zh-TW" sz="1600" b="0" i="1" smtClean="0">
+                          <a:latin typeface="Cambria Math" panose="02040503050406030204" pitchFamily="18" charset="0"/>
+                        </a:rPr>
+                        <m:t>=</m:t>
+                      </m:r>
+                      <m:f>
+                        <m:fPr>
+                          <m:ctrlPr>
+                            <a:rPr kumimoji="1" lang="en-US" altLang="zh-TW" sz="1600" b="0" i="1" smtClean="0">
+                              <a:latin typeface="Cambria Math" panose="02040503050406030204" pitchFamily="18" charset="0"/>
+                            </a:rPr>
+                          </m:ctrlPr>
+                        </m:fPr>
+                        <m:num>
+                          <m:r>
+                            <a:rPr kumimoji="1" lang="en-US" altLang="zh-TW" sz="1600" b="0" i="1" smtClean="0">
+                              <a:latin typeface="Cambria Math" panose="02040503050406030204" pitchFamily="18" charset="0"/>
+                            </a:rPr>
+                            <m:t>𝑠</m:t>
+                          </m:r>
+                          <m:r>
+                            <a:rPr kumimoji="1" lang="en-US" altLang="zh-TW" sz="1600" b="0" i="1" smtClean="0">
+                              <a:latin typeface="Cambria Math" panose="02040503050406030204" pitchFamily="18" charset="0"/>
+                            </a:rPr>
+                            <m:t>[3]</m:t>
+                          </m:r>
+                        </m:num>
+                        <m:den>
+                          <m:r>
+                            <a:rPr kumimoji="1" lang="en-US" altLang="zh-TW" sz="1600" b="0" i="1" smtClean="0">
+                              <a:latin typeface="Cambria Math" panose="02040503050406030204" pitchFamily="18" charset="0"/>
+                            </a:rPr>
+                            <m:t>2</m:t>
+                          </m:r>
+                        </m:den>
+                      </m:f>
+                      <m:r>
+                        <a:rPr kumimoji="1" lang="en-US" altLang="zh-TW" sz="1600" b="0" i="1" smtClean="0">
+                          <a:latin typeface="Cambria Math" panose="02040503050406030204" pitchFamily="18" charset="0"/>
+                        </a:rPr>
+                        <m:t>=</m:t>
+                      </m:r>
+                      <m:r>
+                        <a:rPr lang="en-US" altLang="zh-TW" sz="1600" b="0" i="1" smtClean="0">
+                          <a:latin typeface="Cambria Math" panose="02040503050406030204" pitchFamily="18" charset="0"/>
+                          <a:ea typeface="Cambria Math" panose="02040503050406030204" pitchFamily="18" charset="0"/>
+                        </a:rPr>
+                        <m:t>0</m:t>
+                      </m:r>
+                    </m:oMath>
+                  </m:oMathPara>
+                </a14:m>
+                <a:endParaRPr kumimoji="1" lang="en-US" altLang="zh-TW" sz="1600" b="0" dirty="0"/>
+              </a:p>
+              <a:p>
+                <a:pPr/>
+                <a14:m>
+                  <m:oMathPara xmlns:m="http://schemas.openxmlformats.org/officeDocument/2006/math">
+                    <m:oMathParaPr>
+                      <m:jc m:val="centerGroup"/>
+                    </m:oMathParaPr>
+                    <m:oMath xmlns:m="http://schemas.openxmlformats.org/officeDocument/2006/math">
+                      <m:r>
+                        <a:rPr kumimoji="1" lang="en-US" altLang="zh-TW" sz="1600" b="0" i="1" smtClean="0">
+                          <a:latin typeface="Cambria Math" panose="02040503050406030204" pitchFamily="18" charset="0"/>
+                        </a:rPr>
+                        <m:t>𝑅</m:t>
+                      </m:r>
+                      <m:d>
+                        <m:dPr>
+                          <m:ctrlPr>
+                            <a:rPr kumimoji="1" lang="en-US" altLang="zh-TW" sz="1600" b="0" i="1" smtClean="0">
+                              <a:latin typeface="Cambria Math" panose="02040503050406030204" pitchFamily="18" charset="0"/>
+                            </a:rPr>
+                          </m:ctrlPr>
+                        </m:dPr>
+                        <m:e>
+                          <m:r>
+                            <a:rPr kumimoji="1" lang="en-US" altLang="zh-TW" sz="1600" b="0" i="1" smtClean="0">
+                              <a:latin typeface="Cambria Math" panose="02040503050406030204" pitchFamily="18" charset="0"/>
+                            </a:rPr>
+                            <m:t>𝐹</m:t>
+                          </m:r>
+                        </m:e>
+                      </m:d>
+                      <m:r>
+                        <a:rPr kumimoji="1" lang="en-US" altLang="zh-TW" sz="1600" b="0" i="1" smtClean="0">
+                          <a:latin typeface="Cambria Math" panose="02040503050406030204" pitchFamily="18" charset="0"/>
+                        </a:rPr>
+                        <m:t>=0.6</m:t>
+                      </m:r>
+                      <m:r>
+                        <m:rPr>
+                          <m:nor/>
+                        </m:rPr>
+                        <a:rPr kumimoji="1" lang="en-US" altLang="zh-TW" sz="1600" b="0" i="0" smtClean="0">
+                          <a:latin typeface="Cambria Math" panose="02040503050406030204" pitchFamily="18" charset="0"/>
+                        </a:rPr>
+                        <m:t>+2</m:t>
+                      </m:r>
+                      <m:r>
+                        <m:rPr>
+                          <m:nor/>
+                        </m:rPr>
+                        <a:rPr lang="zh-TW" altLang="en-US" sz="1600">
+                          <a:latin typeface="Cambria Math" panose="02040503050406030204" pitchFamily="18" charset="0"/>
+                        </a:rPr>
+                        <m:t>∙</m:t>
+                      </m:r>
+                      <m:r>
+                        <a:rPr lang="en-US" altLang="zh-TW" sz="1600" i="1">
+                          <a:latin typeface="Cambria Math" panose="02040503050406030204" pitchFamily="18" charset="0"/>
+                          <a:ea typeface="Cambria Math" panose="02040503050406030204" pitchFamily="18" charset="0"/>
+                        </a:rPr>
+                        <m:t>−</m:t>
+                      </m:r>
+                      <m:r>
+                        <m:rPr>
+                          <m:nor/>
+                        </m:rPr>
+                        <a:rPr lang="en-US" altLang="zh-TW" sz="1600"/>
+                        <m:t>0.3027</m:t>
+                      </m:r>
+                      <m:r>
+                        <a:rPr lang="en-US" altLang="zh-TW" sz="1600" i="1" smtClean="0">
+                          <a:latin typeface="Cambria Math" panose="02040503050406030204" pitchFamily="18" charset="0"/>
+                          <a:ea typeface="Cambria Math" panose="02040503050406030204" pitchFamily="18" charset="0"/>
+                        </a:rPr>
+                        <m:t>∙</m:t>
+                      </m:r>
+                      <m:r>
+                        <m:rPr>
+                          <m:nor/>
+                        </m:rPr>
+                        <a:rPr lang="en-US" altLang="zh-TW" sz="1600" b="0" i="0" smtClean="0"/>
+                        <m:t>cos</m:t>
+                      </m:r>
+                      <m:r>
+                        <m:rPr>
+                          <m:nor/>
+                        </m:rPr>
+                        <a:rPr lang="en-US" altLang="zh-TW" sz="1600" b="0" i="0" smtClean="0"/>
+                        <m:t>(</m:t>
+                      </m:r>
+                      <m:r>
+                        <a:rPr lang="en-US" altLang="zh-TW" sz="1600" b="0" i="1" smtClean="0">
+                          <a:latin typeface="Cambria Math" panose="02040503050406030204" pitchFamily="18" charset="0"/>
+                        </a:rPr>
+                        <m:t>4</m:t>
+                      </m:r>
+                      <m:r>
+                        <m:rPr>
+                          <m:sty m:val="p"/>
+                        </m:rPr>
+                        <a:rPr lang="el-GR" altLang="zh-TW" sz="1600" b="0" i="1" smtClean="0">
+                          <a:latin typeface="Cambria Math" panose="02040503050406030204" pitchFamily="18" charset="0"/>
+                          <a:ea typeface="Cambria Math" panose="02040503050406030204" pitchFamily="18" charset="0"/>
+                        </a:rPr>
+                        <m:t>π</m:t>
+                      </m:r>
+                      <m:r>
+                        <a:rPr lang="en-US" altLang="zh-TW" sz="1600" b="0" i="1" smtClean="0">
+                          <a:latin typeface="Cambria Math" panose="02040503050406030204" pitchFamily="18" charset="0"/>
+                          <a:ea typeface="Cambria Math" panose="02040503050406030204" pitchFamily="18" charset="0"/>
+                        </a:rPr>
+                        <m:t>𝐹</m:t>
+                      </m:r>
+                      <m:r>
+                        <m:rPr>
+                          <m:nor/>
+                        </m:rPr>
+                        <a:rPr lang="en-US" altLang="zh-TW" sz="1600" b="0" i="0" smtClean="0"/>
+                        <m:t>)</m:t>
+                      </m:r>
+                    </m:oMath>
+                  </m:oMathPara>
+                </a14:m>
+                <a:endParaRPr kumimoji="1" lang="en-US" altLang="zh-TW" sz="1600" b="0" dirty="0"/>
+              </a:p>
+              <a:p>
+                <a:endParaRPr kumimoji="1" lang="zh-TW" altLang="en-US" sz="1600" dirty="0"/>
+              </a:p>
+            </p:txBody>
+          </p:sp>
+        </mc:Choice>
+        <mc:Fallback>
+          <p:sp>
+            <p:nvSpPr>
+              <p:cNvPr id="3" name="文字方塊 2">
+                <a:extLst>
+                  <a:ext uri="{FF2B5EF4-FFF2-40B4-BE49-F238E27FC236}">
+                    <a16:creationId xmlns:a16="http://schemas.microsoft.com/office/drawing/2014/main" id="{BE3FBB0F-D690-5231-6747-F8AC41C2DFE4}"/>
+                  </a:ext>
+                </a:extLst>
+              </p:cNvPr>
+              <p:cNvSpPr txBox="1">
+                <a:spLocks noRot="1" noChangeAspect="1" noMove="1" noResize="1" noEditPoints="1" noAdjustHandles="1" noChangeArrowheads="1" noChangeShapeType="1" noTextEdit="1"/>
+              </p:cNvSpPr>
+              <p:nvPr/>
+            </p:nvSpPr>
+            <p:spPr>
+              <a:xfrm>
+                <a:off x="251519" y="1437914"/>
+                <a:ext cx="8713983" cy="4848058"/>
+              </a:xfrm>
+              <a:prstGeom prst="rect">
+                <a:avLst/>
+              </a:prstGeom>
+              <a:blipFill>
+                <a:blip r:embed="rId2"/>
+                <a:stretch>
+                  <a:fillRect t="-8639"/>
+                </a:stretch>
+              </a:blipFill>
+            </p:spPr>
+            <p:txBody>
+              <a:bodyPr/>
+              <a:lstStyle/>
+              <a:p>
+                <a:r>
+                  <a:rPr lang="zh-TW" altLang="en-US">
+                    <a:noFill/>
+                  </a:rPr>
+                  <a:t> </a:t>
+                </a:r>
+              </a:p>
+            </p:txBody>
+          </p:sp>
+        </mc:Fallback>
+      </mc:AlternateContent>
     </p:spTree>
     <p:extLst>
       <p:ext uri="{BB962C8B-B14F-4D97-AF65-F5344CB8AC3E}">
@@ -8284,8 +10697,8 @@
           </a:p>
         </p:txBody>
       </p:sp>
-      <mc:AlternateContent xmlns:mc="http://schemas.openxmlformats.org/markup-compatibility/2006">
-        <mc:Choice xmlns:a14="http://schemas.microsoft.com/office/drawing/2010/main" Requires="a14">
+      <mc:AlternateContent xmlns:mc="http://schemas.openxmlformats.org/markup-compatibility/2006" xmlns:a14="http://schemas.microsoft.com/office/drawing/2010/main">
+        <mc:Choice Requires="a14">
           <p:sp>
             <p:nvSpPr>
               <p:cNvPr id="2" name="文字方塊 1">
@@ -8314,6 +10727,7 @@
               </a:bodyPr>
               <a:lstStyle/>
               <a:p>
+                <a:pPr/>
                 <a14:m>
                   <m:oMathPara xmlns:m="http://schemas.openxmlformats.org/officeDocument/2006/math">
                     <m:oMathParaPr>
@@ -8391,6 +10805,7 @@
                 <a:endParaRPr lang="en-US" altLang="zh-TW" b="0" dirty="0"/>
               </a:p>
               <a:p>
+                <a:pPr/>
                 <a14:m>
                   <m:oMathPara xmlns:m="http://schemas.openxmlformats.org/officeDocument/2006/math">
                     <m:oMathParaPr>
@@ -8527,6 +10942,7 @@
                 <a:endParaRPr lang="en-US" altLang="zh-TW" dirty="0"/>
               </a:p>
               <a:p>
+                <a:pPr/>
                 <a14:m>
                   <m:oMathPara xmlns:m="http://schemas.openxmlformats.org/officeDocument/2006/math">
                     <m:oMathParaPr>
@@ -8653,6 +11069,7 @@
                 <a:endParaRPr lang="en-US" altLang="zh-TW" dirty="0"/>
               </a:p>
               <a:p>
+                <a:pPr/>
                 <a14:m>
                   <m:oMathPara xmlns:m="http://schemas.openxmlformats.org/officeDocument/2006/math">
                     <m:oMathParaPr>
@@ -9116,7 +11533,7 @@
             </p:txBody>
           </p:sp>
         </mc:Choice>
-        <mc:Fallback>
+        <mc:Fallback xmlns="">
           <p:sp>
             <p:nvSpPr>
               <p:cNvPr id="2" name="文字方塊 1">
@@ -9260,8 +11677,8 @@
           </a:p>
         </p:txBody>
       </p:sp>
-      <mc:AlternateContent xmlns:mc="http://schemas.openxmlformats.org/markup-compatibility/2006">
-        <mc:Choice xmlns:a14="http://schemas.microsoft.com/office/drawing/2010/main" Requires="a14">
+      <mc:AlternateContent xmlns:mc="http://schemas.openxmlformats.org/markup-compatibility/2006" xmlns:a14="http://schemas.microsoft.com/office/drawing/2010/main">
+        <mc:Choice Requires="a14">
           <p:sp>
             <p:nvSpPr>
               <p:cNvPr id="3" name="文字方塊 2">
@@ -9445,7 +11862,6 @@
                 <a:endParaRPr kumimoji="1" lang="en-US" altLang="zh-TW" b="0" dirty="0"/>
               </a:p>
               <a:p>
-                <a:pPr/>
                 <a:endParaRPr lang="en-US" altLang="zh-TW" dirty="0"/>
               </a:p>
               <a:p>
@@ -9660,19 +12076,7 @@
                         <a:rPr lang="en-US" altLang="zh-TW" i="1">
                           <a:latin typeface="Cambria Math" panose="02040503050406030204" pitchFamily="18" charset="0"/>
                         </a:rPr>
-                        <m:t>8000</m:t>
-                      </m:r>
-                      <m:r>
-                        <a:rPr lang="en-US" altLang="zh-TW" i="1">
-                          <a:latin typeface="Cambria Math" panose="02040503050406030204" pitchFamily="18" charset="0"/>
-                        </a:rPr>
-                        <m:t>−</m:t>
-                      </m:r>
-                      <m:r>
-                        <a:rPr lang="en-US" altLang="zh-TW" i="1">
-                          <a:latin typeface="Cambria Math" panose="02040503050406030204" pitchFamily="18" charset="0"/>
-                        </a:rPr>
-                        <m:t>8000</m:t>
+                        <m:t>8000−8000</m:t>
                       </m:r>
                       <m:r>
                         <a:rPr lang="en-US" altLang="zh-TW" b="0" i="1" smtClean="0">
@@ -9687,7 +12091,7 @@
                         <a:rPr lang="en-US" altLang="zh-TW" b="0" i="0" smtClean="0">
                           <a:latin typeface="Cambria Math" panose="02040503050406030204" pitchFamily="18" charset="0"/>
                         </a:rPr>
-                        <m:t>-1600</m:t>
+                        <m:t>−1600</m:t>
                       </m:r>
                       <m:r>
                         <m:rPr>
@@ -9718,7 +12122,7 @@
             </p:txBody>
           </p:sp>
         </mc:Choice>
-        <mc:Fallback>
+        <mc:Fallback xmlns="">
           <p:sp>
             <p:nvSpPr>
               <p:cNvPr id="3" name="文字方塊 2">
